--- a/Nove prednasky/P5 Prenosová funkcia.pptx
+++ b/Nove prednasky/P5 Prenosová funkcia.pptx
@@ -118,6 +118,32 @@
     </p:ext>
   </p:extLst>
 </p:presentation>
+</file>
+
+<file path=ppt/commentAuthors.xml><?xml version="1.0" encoding="utf-8"?>
+<p:cmAuthorLst xmlns:a="http://schemas.openxmlformats.org/drawingml/2006/main" xmlns:r="http://schemas.openxmlformats.org/officeDocument/2006/relationships" xmlns:p="http://schemas.openxmlformats.org/presentationml/2006/main">
+  <p:cmAuthor id="1" name="Martin Dodek" initials="MD" lastIdx="1" clrIdx="0">
+    <p:extLst>
+      <p:ext uri="{19B8F6BF-5375-455C-9EA6-DF929625EA0E}">
+        <p15:presenceInfo xmlns:p15="http://schemas.microsoft.com/office/powerpoint/2012/main" userId="Martin Dodek" providerId="None"/>
+      </p:ext>
+    </p:extLst>
+  </p:cmAuthor>
+</p:cmAuthorLst>
+</file>
+
+<file path=ppt/comments/comment1.xml><?xml version="1.0" encoding="utf-8"?>
+<p:cmLst xmlns:a="http://schemas.openxmlformats.org/drawingml/2006/main" xmlns:r="http://schemas.openxmlformats.org/officeDocument/2006/relationships" xmlns:p="http://schemas.openxmlformats.org/presentationml/2006/main">
+  <p:cm authorId="1" dt="2019-04-21T13:14:36.577" idx="1">
+    <p:pos x="2439" y="1868"/>
+    <p:text>Dalej by bolo dobré ukázať vplyv pólov a núl na dynamiku, aký vplyv má komplexný pól, reálny pól a astatizmus</p:text>
+    <p:extLst>
+      <p:ext uri="{C676402C-5697-4E1C-873F-D02D1690AC5C}">
+        <p15:threadingInfo xmlns:p15="http://schemas.microsoft.com/office/powerpoint/2012/main" timeZoneBias="-120"/>
+      </p:ext>
+    </p:extLst>
+  </p:cm>
+</p:cmLst>
 </file>
 
 <file path=ppt/slideLayouts/slideLayout1.xml><?xml version="1.0" encoding="utf-8"?>
@@ -406,7 +432,7 @@
           <a:p>
             <a:fld id="{B1F4BD78-2EC2-485B-A16B-A2D870866C74}" type="datetimeFigureOut">
               <a:rPr lang="sk-SK" smtClean="0"/>
-              <a:t>28.3.2019</a:t>
+              <a:t>21.4.2019</a:t>
             </a:fld>
             <a:endParaRPr lang="sk-SK"/>
           </a:p>
@@ -497,7 +523,7 @@
           <p:cNvPr id="11" name="Obrázok 10">
             <a:extLst>
               <a:ext uri="{FF2B5EF4-FFF2-40B4-BE49-F238E27FC236}">
-                <a16:creationId xmlns:a16="http://schemas.microsoft.com/office/drawing/2014/main" id="{D575F8E8-6CC8-49FD-8010-88908C002CDA}"/>
+                <a16:creationId xmlns="" xmlns:a16="http://schemas.microsoft.com/office/drawing/2014/main" id="{D575F8E8-6CC8-49FD-8010-88908C002CDA}"/>
               </a:ext>
             </a:extLst>
           </p:cNvPr>
@@ -533,7 +559,7 @@
           <p:cNvPr id="13" name="Obrázok 12">
             <a:extLst>
               <a:ext uri="{FF2B5EF4-FFF2-40B4-BE49-F238E27FC236}">
-                <a16:creationId xmlns:a16="http://schemas.microsoft.com/office/drawing/2014/main" id="{E0A78DBF-D0B2-42A5-9F1D-0CAC637C7D2D}"/>
+                <a16:creationId xmlns="" xmlns:a16="http://schemas.microsoft.com/office/drawing/2014/main" id="{E0A78DBF-D0B2-42A5-9F1D-0CAC637C7D2D}"/>
               </a:ext>
             </a:extLst>
           </p:cNvPr>
@@ -690,7 +716,7 @@
           <a:p>
             <a:fld id="{B1F4BD78-2EC2-485B-A16B-A2D870866C74}" type="datetimeFigureOut">
               <a:rPr lang="sk-SK" smtClean="0"/>
-              <a:t>28.3.2019</a:t>
+              <a:t>21.4.2019</a:t>
             </a:fld>
             <a:endParaRPr lang="sk-SK"/>
           </a:p>
@@ -1033,7 +1059,7 @@
           <a:p>
             <a:fld id="{B1F4BD78-2EC2-485B-A16B-A2D870866C74}" type="datetimeFigureOut">
               <a:rPr lang="sk-SK" smtClean="0"/>
-              <a:t>28.3.2019</a:t>
+              <a:t>21.4.2019</a:t>
             </a:fld>
             <a:endParaRPr lang="sk-SK"/>
           </a:p>
@@ -1308,7 +1334,7 @@
           <a:p>
             <a:fld id="{B1F4BD78-2EC2-485B-A16B-A2D870866C74}" type="datetimeFigureOut">
               <a:rPr lang="sk-SK" smtClean="0"/>
-              <a:t>28.3.2019</a:t>
+              <a:t>21.4.2019</a:t>
             </a:fld>
             <a:endParaRPr lang="sk-SK"/>
           </a:p>
@@ -1687,7 +1713,7 @@
           <a:p>
             <a:fld id="{B1F4BD78-2EC2-485B-A16B-A2D870866C74}" type="datetimeFigureOut">
               <a:rPr lang="sk-SK" smtClean="0"/>
-              <a:t>28.3.2019</a:t>
+              <a:t>21.4.2019</a:t>
             </a:fld>
             <a:endParaRPr lang="sk-SK"/>
           </a:p>
@@ -1805,7 +1831,7 @@
           <a:p>
             <a:fld id="{B1F4BD78-2EC2-485B-A16B-A2D870866C74}" type="datetimeFigureOut">
               <a:rPr lang="sk-SK" smtClean="0"/>
-              <a:t>28.3.2019</a:t>
+              <a:t>21.4.2019</a:t>
             </a:fld>
             <a:endParaRPr lang="sk-SK"/>
           </a:p>
@@ -1976,7 +2002,7 @@
           <a:p>
             <a:fld id="{B1F4BD78-2EC2-485B-A16B-A2D870866C74}" type="datetimeFigureOut">
               <a:rPr lang="sk-SK" smtClean="0"/>
-              <a:t>28.3.2019</a:t>
+              <a:t>21.4.2019</a:t>
             </a:fld>
             <a:endParaRPr lang="sk-SK"/>
           </a:p>
@@ -2330,7 +2356,7 @@
           <a:p>
             <a:fld id="{B1F4BD78-2EC2-485B-A16B-A2D870866C74}" type="datetimeFigureOut">
               <a:rPr lang="sk-SK" smtClean="0"/>
-              <a:t>28.3.2019</a:t>
+              <a:t>21.4.2019</a:t>
             </a:fld>
             <a:endParaRPr lang="sk-SK"/>
           </a:p>
@@ -2712,7 +2738,7 @@
           <a:p>
             <a:fld id="{B1F4BD78-2EC2-485B-A16B-A2D870866C74}" type="datetimeFigureOut">
               <a:rPr lang="sk-SK" smtClean="0"/>
-              <a:t>28.3.2019</a:t>
+              <a:t>21.4.2019</a:t>
             </a:fld>
             <a:endParaRPr lang="sk-SK"/>
           </a:p>
@@ -3007,7 +3033,7 @@
           <a:p>
             <a:fld id="{B1F4BD78-2EC2-485B-A16B-A2D870866C74}" type="datetimeFigureOut">
               <a:rPr lang="sk-SK" smtClean="0"/>
-              <a:t>28.3.2019</a:t>
+              <a:t>21.4.2019</a:t>
             </a:fld>
             <a:endParaRPr lang="sk-SK"/>
           </a:p>
@@ -3493,7 +3519,7 @@
           <p:cNvPr id="2" name="Nadpis 1">
             <a:extLst>
               <a:ext uri="{FF2B5EF4-FFF2-40B4-BE49-F238E27FC236}">
-                <a16:creationId xmlns:a16="http://schemas.microsoft.com/office/drawing/2014/main" id="{8C9FEECD-5BD9-4CA4-ACC1-DA9C1EDD96B6}"/>
+                <a16:creationId xmlns="" xmlns:a16="http://schemas.microsoft.com/office/drawing/2014/main" id="{8C9FEECD-5BD9-4CA4-ACC1-DA9C1EDD96B6}"/>
               </a:ext>
             </a:extLst>
           </p:cNvPr>
@@ -3535,7 +3561,7 @@
           <p:cNvPr id="3" name="Podnadpis 2">
             <a:extLst>
               <a:ext uri="{FF2B5EF4-FFF2-40B4-BE49-F238E27FC236}">
-                <a16:creationId xmlns:a16="http://schemas.microsoft.com/office/drawing/2014/main" id="{313B57F5-B394-40F1-BEAB-F5B71B2FEDE1}"/>
+                <a16:creationId xmlns="" xmlns:a16="http://schemas.microsoft.com/office/drawing/2014/main" id="{313B57F5-B394-40F1-BEAB-F5B71B2FEDE1}"/>
               </a:ext>
             </a:extLst>
           </p:cNvPr>
@@ -3607,7 +3633,7 @@
           <p:cNvPr id="2" name="Nadpis 1">
             <a:extLst>
               <a:ext uri="{FF2B5EF4-FFF2-40B4-BE49-F238E27FC236}">
-                <a16:creationId xmlns:a16="http://schemas.microsoft.com/office/drawing/2014/main" id="{FF788259-F9CF-4701-AE0D-15DE5B14CE82}"/>
+                <a16:creationId xmlns="" xmlns:a16="http://schemas.microsoft.com/office/drawing/2014/main" id="{FF788259-F9CF-4701-AE0D-15DE5B14CE82}"/>
               </a:ext>
             </a:extLst>
           </p:cNvPr>
@@ -3635,7 +3661,7 @@
           <p:cNvPr id="3" name="Zástupný objekt pre obsah 2">
             <a:extLst>
               <a:ext uri="{FF2B5EF4-FFF2-40B4-BE49-F238E27FC236}">
-                <a16:creationId xmlns:a16="http://schemas.microsoft.com/office/drawing/2014/main" id="{B362CB03-E518-4C50-9103-6CABE50E3FE6}"/>
+                <a16:creationId xmlns="" xmlns:a16="http://schemas.microsoft.com/office/drawing/2014/main" id="{B362CB03-E518-4C50-9103-6CABE50E3FE6}"/>
               </a:ext>
             </a:extLst>
           </p:cNvPr>
@@ -3653,8 +3679,13 @@
           <a:p>
             <a:r>
               <a:rPr lang="sk-SK" dirty="0"/>
-              <a:t>Je to dynamický objekt, ktorý je v reálnom svete spojitý.</a:t>
+              <a:t>Je to dynamický objekt, ktorý je v reálnom svete spojitý</a:t>
             </a:r>
+            <a:r>
+              <a:rPr lang="sk-SK" dirty="0" smtClean="0"/>
+              <a:t>. </a:t>
+            </a:r>
+            <a:endParaRPr lang="sk-SK" dirty="0"/>
           </a:p>
           <a:p>
             <a:endParaRPr lang="sk-SK" dirty="0"/>
@@ -3677,14 +3708,32 @@
           <a:p>
             <a:r>
               <a:rPr lang="sk-SK" dirty="0"/>
-              <a:t>Vstupy:  veličiny vstupujúce do objektu, ktoré sa menia v čase</a:t>
+              <a:t>Vstupy:  veličiny vstupujúce do objektu, ktoré sa menia v </a:t>
             </a:r>
+            <a:r>
+              <a:rPr lang="sk-SK" dirty="0" smtClean="0"/>
+              <a:t>čase</a:t>
+            </a:r>
+            <a:r>
+              <a:rPr lang="en-US" dirty="0" smtClean="0"/>
+              <a:t> – sign</a:t>
+            </a:r>
+            <a:r>
+              <a:rPr lang="sk-SK" dirty="0" err="1" smtClean="0"/>
+              <a:t>ály</a:t>
+            </a:r>
+            <a:endParaRPr lang="sk-SK" dirty="0"/>
           </a:p>
           <a:p>
             <a:r>
               <a:rPr lang="sk-SK" dirty="0"/>
               <a:t>Výstupy: veličiny vystupujúce z objektu, ktoré sa menia v čase </a:t>
             </a:r>
+            <a:r>
+              <a:rPr lang="sk-SK" dirty="0" smtClean="0"/>
+              <a:t>- signály</a:t>
+            </a:r>
+            <a:endParaRPr lang="sk-SK" dirty="0"/>
           </a:p>
           <a:p>
             <a:endParaRPr lang="sk-SK" dirty="0"/>
@@ -3692,8 +3741,21 @@
           <a:p>
             <a:r>
               <a:rPr lang="sk-SK" dirty="0"/>
-              <a:t>Jeden vstup/ jeden výstup  - SISO objekt</a:t>
+              <a:t>Jeden vstup/ jeden výstup  - SISO </a:t>
             </a:r>
+            <a:r>
+              <a:rPr lang="sk-SK" dirty="0" smtClean="0"/>
+              <a:t>objekt -</a:t>
+            </a:r>
+            <a:r>
+              <a:rPr lang="en-US" dirty="0" smtClean="0"/>
+              <a:t>&gt; </a:t>
+            </a:r>
+            <a:r>
+              <a:rPr lang="sk-SK" dirty="0" smtClean="0"/>
+              <a:t>v tomto predmete</a:t>
+            </a:r>
+            <a:endParaRPr lang="sk-SK" dirty="0"/>
           </a:p>
           <a:p>
             <a:r>
@@ -3711,7 +3773,7 @@
           <p:cNvPr id="4" name="Skupina 3">
             <a:extLst>
               <a:ext uri="{FF2B5EF4-FFF2-40B4-BE49-F238E27FC236}">
-                <a16:creationId xmlns:a16="http://schemas.microsoft.com/office/drawing/2014/main" id="{60959378-A582-40EF-B1CB-44F5616E2BA5}"/>
+                <a16:creationId xmlns="" xmlns:a16="http://schemas.microsoft.com/office/drawing/2014/main" id="{60959378-A582-40EF-B1CB-44F5616E2BA5}"/>
               </a:ext>
             </a:extLst>
           </p:cNvPr>
@@ -3731,7 +3793,7 @@
             <p:cNvPr id="5" name="BlokTextu 4">
               <a:extLst>
                 <a:ext uri="{FF2B5EF4-FFF2-40B4-BE49-F238E27FC236}">
-                  <a16:creationId xmlns:a16="http://schemas.microsoft.com/office/drawing/2014/main" id="{7648AE2C-92BA-4D0F-A0E3-C6A8FEBD3A46}"/>
+                  <a16:creationId xmlns="" xmlns:a16="http://schemas.microsoft.com/office/drawing/2014/main" id="{7648AE2C-92BA-4D0F-A0E3-C6A8FEBD3A46}"/>
                 </a:ext>
               </a:extLst>
             </p:cNvPr>
@@ -3772,7 +3834,7 @@
             <p:cNvPr id="6" name="Šípka doprava 5">
               <a:extLst>
                 <a:ext uri="{FF2B5EF4-FFF2-40B4-BE49-F238E27FC236}">
-                  <a16:creationId xmlns:a16="http://schemas.microsoft.com/office/drawing/2014/main" id="{6560A19B-AC5F-4002-99AF-8D3976D369CE}"/>
+                  <a16:creationId xmlns="" xmlns:a16="http://schemas.microsoft.com/office/drawing/2014/main" id="{6560A19B-AC5F-4002-99AF-8D3976D369CE}"/>
                 </a:ext>
               </a:extLst>
             </p:cNvPr>
@@ -3818,7 +3880,7 @@
             <p:cNvPr id="7" name="Šípka doprava 6">
               <a:extLst>
                 <a:ext uri="{FF2B5EF4-FFF2-40B4-BE49-F238E27FC236}">
-                  <a16:creationId xmlns:a16="http://schemas.microsoft.com/office/drawing/2014/main" id="{7432B34B-64C1-40CB-9364-69B3C786E98F}"/>
+                  <a16:creationId xmlns="" xmlns:a16="http://schemas.microsoft.com/office/drawing/2014/main" id="{7432B34B-64C1-40CB-9364-69B3C786E98F}"/>
                 </a:ext>
               </a:extLst>
             </p:cNvPr>
@@ -3864,7 +3926,7 @@
             <p:cNvPr id="8" name="BlokTextu 7">
               <a:extLst>
                 <a:ext uri="{FF2B5EF4-FFF2-40B4-BE49-F238E27FC236}">
-                  <a16:creationId xmlns:a16="http://schemas.microsoft.com/office/drawing/2014/main" id="{4CB9FC28-E0AA-45DA-A540-02FA35CEE6AC}"/>
+                  <a16:creationId xmlns="" xmlns:a16="http://schemas.microsoft.com/office/drawing/2014/main" id="{4CB9FC28-E0AA-45DA-A540-02FA35CEE6AC}"/>
                 </a:ext>
               </a:extLst>
             </p:cNvPr>
@@ -3899,7 +3961,7 @@
             <p:cNvPr id="9" name="BlokTextu 8">
               <a:extLst>
                 <a:ext uri="{FF2B5EF4-FFF2-40B4-BE49-F238E27FC236}">
-                  <a16:creationId xmlns:a16="http://schemas.microsoft.com/office/drawing/2014/main" id="{BCA5FD2D-91CD-4D30-B8C3-7518D5EA00A8}"/>
+                  <a16:creationId xmlns="" xmlns:a16="http://schemas.microsoft.com/office/drawing/2014/main" id="{BCA5FD2D-91CD-4D30-B8C3-7518D5EA00A8}"/>
                 </a:ext>
               </a:extLst>
             </p:cNvPr>
@@ -3965,7 +4027,7 @@
           <p:cNvPr id="2" name="Nadpis 1">
             <a:extLst>
               <a:ext uri="{FF2B5EF4-FFF2-40B4-BE49-F238E27FC236}">
-                <a16:creationId xmlns:a16="http://schemas.microsoft.com/office/drawing/2014/main" id="{A60D084F-ACFD-4F46-B5DB-65DDF10CFCE9}"/>
+                <a16:creationId xmlns="" xmlns:a16="http://schemas.microsoft.com/office/drawing/2014/main" id="{A60D084F-ACFD-4F46-B5DB-65DDF10CFCE9}"/>
               </a:ext>
             </a:extLst>
           </p:cNvPr>
@@ -3997,7 +4059,7 @@
               <p:cNvPr id="3" name="Zástupný objekt pre obsah 2">
                 <a:extLst>
                   <a:ext uri="{FF2B5EF4-FFF2-40B4-BE49-F238E27FC236}">
-                    <a16:creationId xmlns:a16="http://schemas.microsoft.com/office/drawing/2014/main" id="{A74476A0-8C3D-4B4B-ABC1-78C4925E54B4}"/>
+                    <a16:creationId xmlns="" xmlns:a16="http://schemas.microsoft.com/office/drawing/2014/main" id="{A74476A0-8C3D-4B4B-ABC1-78C4925E54B4}"/>
                   </a:ext>
                 </a:extLst>
               </p:cNvPr>
@@ -4010,7 +4072,9 @@
             </p:nvSpPr>
             <p:spPr/>
             <p:txBody>
-              <a:bodyPr/>
+              <a:bodyPr>
+                <a:normAutofit fontScale="92500"/>
+              </a:bodyPr>
               <a:lstStyle/>
               <a:p>
                 <a:pPr marL="0" indent="0">
@@ -4141,6 +4205,24 @@
                     </m:oMath>
                   </m:oMathPara>
                 </a14:m>
+                <a:endParaRPr lang="sk-SK" dirty="0" smtClean="0"/>
+              </a:p>
+              <a:p>
+                <a:pPr marL="0" indent="0">
+                  <a:buNone/>
+                </a:pPr>
+                <a:r>
+                  <a:rPr lang="sk-SK" dirty="0" smtClean="0"/>
+                  <a:t>Vstupný a výstupný signál majú takisto svoj </a:t>
+                </a:r>
+                <a:r>
+                  <a:rPr lang="sk-SK" dirty="0" err="1" smtClean="0"/>
+                  <a:t>Laplaceov</a:t>
+                </a:r>
+                <a:r>
+                  <a:rPr lang="sk-SK" dirty="0" smtClean="0"/>
+                  <a:t> obraz</a:t>
+                </a:r>
                 <a:endParaRPr lang="sk-SK" dirty="0"/>
               </a:p>
               <a:p>
@@ -4153,13 +4235,13 @@
                 </a:r>
               </a:p>
               <a:p>
-                <a:pPr marL="285750" indent="-285750">
+                <a:pPr marL="285750" indent="-285750" algn="just">
                   <a:buFont typeface="Arial" panose="020B0604020202020204" pitchFamily="34" charset="0"/>
                   <a:buChar char="•"/>
                 </a:pPr>
                 <a:r>
-                  <a:rPr lang="sk-SK" dirty="0"/>
-                  <a:t>Jednoduchosť vytvárania schém zložitého procesu z blokov (algebra prenosových funkcií)</a:t>
+                  <a:rPr lang="sk-SK" dirty="0" smtClean="0"/>
+                  <a:t>Práca s polynómami a racionálnymi funkciami namiesto diferenciálnych rovníc</a:t>
                 </a:r>
               </a:p>
               <a:p>
@@ -4168,9 +4250,43 @@
                   <a:buChar char="•"/>
                 </a:pPr>
                 <a:r>
+                  <a:rPr lang="sk-SK" dirty="0" smtClean="0"/>
+                  <a:t>Jednoduchosť zápisu a vytvárania </a:t>
+                </a:r>
+                <a:r>
                   <a:rPr lang="sk-SK" dirty="0"/>
-                  <a:t>Prenosové funkcie sú nositeľom podstatných vlastností dynamiky procesov</a:t>
+                  <a:t>schém zložitého procesu z blokov (algebra prenosových </a:t>
                 </a:r>
+                <a:r>
+                  <a:rPr lang="sk-SK" dirty="0" smtClean="0"/>
+                  <a:t>funkcii)</a:t>
+                </a:r>
+                <a:endParaRPr lang="sk-SK" dirty="0"/>
+              </a:p>
+              <a:p>
+                <a:pPr marL="285750" indent="-285750">
+                  <a:buFont typeface="Arial" panose="020B0604020202020204" pitchFamily="34" charset="0"/>
+                  <a:buChar char="•"/>
+                </a:pPr>
+                <a:r>
+                  <a:rPr lang="sk-SK" dirty="0"/>
+                  <a:t>Prenosové funkcie sú nositeľom podstatných vlastností dynamiky </a:t>
+                </a:r>
+                <a:r>
+                  <a:rPr lang="sk-SK" dirty="0" smtClean="0"/>
+                  <a:t>procesov</a:t>
+                </a:r>
+              </a:p>
+              <a:p>
+                <a:pPr marL="285750" indent="-285750">
+                  <a:buFont typeface="Arial" panose="020B0604020202020204" pitchFamily="34" charset="0"/>
+                  <a:buChar char="•"/>
+                </a:pPr>
+                <a:r>
+                  <a:rPr lang="sk-SK" dirty="0" smtClean="0"/>
+                  <a:t>Lepšia intuitívna abstrakcia vlastností systému</a:t>
+                </a:r>
+                <a:endParaRPr lang="sk-SK" dirty="0"/>
               </a:p>
               <a:p>
                 <a:pPr marL="285750" indent="-285750">
@@ -4182,13 +4298,22 @@
                   <a:t>Je ich možné </a:t>
                 </a:r>
                 <a:r>
-                  <a:rPr lang="sk-SK" dirty="0" err="1"/>
+                  <a:rPr lang="sk-SK" dirty="0" err="1" smtClean="0"/>
                   <a:t>parametrizovať</a:t>
                 </a:r>
                 <a:r>
+                  <a:rPr lang="sk-SK" dirty="0" smtClean="0"/>
+                  <a:t> a identifikovať </a:t>
+                </a:r>
+                <a:r>
                   <a:rPr lang="sk-SK" dirty="0"/>
-                  <a:t> z nameraných dynamických charakteristík</a:t>
+                  <a:t>z nameraných </a:t>
                 </a:r>
+                <a:r>
+                  <a:rPr lang="sk-SK" dirty="0" smtClean="0"/>
+                  <a:t>dát</a:t>
+                </a:r>
+                <a:endParaRPr lang="sk-SK" dirty="0"/>
               </a:p>
               <a:p>
                 <a:pPr marL="0" indent="0">
@@ -4205,7 +4330,7 @@
               <p:cNvPr id="3" name="Zástupný objekt pre obsah 2">
                 <a:extLst>
                   <a:ext uri="{FF2B5EF4-FFF2-40B4-BE49-F238E27FC236}">
-                    <a16:creationId xmlns:a16="http://schemas.microsoft.com/office/drawing/2014/main" id="{A74476A0-8C3D-4B4B-ABC1-78C4925E54B4}"/>
+                    <a16:creationId xmlns="" xmlns:a16="http://schemas.microsoft.com/office/drawing/2014/main" xmlns:a14="http://schemas.microsoft.com/office/drawing/2010/main" id="{A74476A0-8C3D-4B4B-ABC1-78C4925E54B4}"/>
                   </a:ext>
                 </a:extLst>
               </p:cNvPr>
@@ -4217,10 +4342,10 @@
               </p:nvPr>
             </p:nvSpPr>
             <p:spPr>
-              <a:blipFill>
+              <a:blipFill rotWithShape="0">
                 <a:blip r:embed="rId2"/>
                 <a:stretch>
-                  <a:fillRect l="-1898" t="-1291"/>
+                  <a:fillRect l="-1825" t="-1174" r="-1022"/>
                 </a:stretch>
               </a:blipFill>
             </p:spPr>
@@ -4274,7 +4399,7 @@
           <p:cNvPr id="2" name="Nadpis 1">
             <a:extLst>
               <a:ext uri="{FF2B5EF4-FFF2-40B4-BE49-F238E27FC236}">
-                <a16:creationId xmlns:a16="http://schemas.microsoft.com/office/drawing/2014/main" id="{59DC17C1-419D-44F2-987B-AD5E29D750B8}"/>
+                <a16:creationId xmlns="" xmlns:a16="http://schemas.microsoft.com/office/drawing/2014/main" id="{59DC17C1-419D-44F2-987B-AD5E29D750B8}"/>
               </a:ext>
             </a:extLst>
           </p:cNvPr>
@@ -4296,6 +4421,10 @@
               <a:rPr lang="sk-SK" sz="4000" dirty="0"/>
               <a:t>Prenosová funkcia</a:t>
             </a:r>
+            <a:r>
+              <a:rPr lang="sk-SK" dirty="0"/>
+              <a:t/>
+            </a:r>
             <a:br>
               <a:rPr lang="sk-SK" dirty="0"/>
             </a:br>
@@ -4306,14 +4435,14 @@
           </a:p>
         </p:txBody>
       </p:sp>
-      <mc:AlternateContent xmlns:mc="http://schemas.openxmlformats.org/markup-compatibility/2006">
-        <mc:Choice xmlns:a14="http://schemas.microsoft.com/office/drawing/2010/main" Requires="a14">
+      <mc:AlternateContent xmlns:mc="http://schemas.openxmlformats.org/markup-compatibility/2006" xmlns:a14="http://schemas.microsoft.com/office/drawing/2010/main">
+        <mc:Choice Requires="a14">
           <p:sp>
             <p:nvSpPr>
               <p:cNvPr id="3" name="Zástupný objekt pre obsah 2">
                 <a:extLst>
                   <a:ext uri="{FF2B5EF4-FFF2-40B4-BE49-F238E27FC236}">
-                    <a16:creationId xmlns:a16="http://schemas.microsoft.com/office/drawing/2014/main" id="{5BD42F2B-ABA1-4F3A-865F-32330FB152D7}"/>
+                    <a16:creationId xmlns="" xmlns:a16="http://schemas.microsoft.com/office/drawing/2014/main" id="{5BD42F2B-ABA1-4F3A-865F-32330FB152D7}"/>
                   </a:ext>
                 </a:extLst>
               </p:cNvPr>
@@ -4330,7 +4459,7 @@
               <a:lstStyle/>
               <a:p>
                 <a:r>
-                  <a:rPr lang="sk-SK" dirty="0"/>
+                  <a:rPr lang="sk-SK" dirty="0" smtClean="0"/>
                   <a:t>Majme lineárnu diferenciálnu rovnicu vo všeobecnom tvare:</a:t>
                 </a:r>
               </a:p>
@@ -4341,6 +4470,57 @@
                 <a:endParaRPr lang="sk-SK" dirty="0"/>
               </a:p>
               <a:p>
+                <a:r>
+                  <a:rPr lang="sk-SK" dirty="0" err="1" smtClean="0"/>
+                  <a:t>Laplaceov</a:t>
+                </a:r>
+                <a:r>
+                  <a:rPr lang="sk-SK" dirty="0" smtClean="0"/>
+                  <a:t> obraz derivácie je </a:t>
+                </a:r>
+                <a14:m>
+                  <m:oMath xmlns:m="http://schemas.openxmlformats.org/officeDocument/2006/math">
+                    <m:r>
+                      <a:rPr lang="sk-SK" i="1">
+                        <a:latin typeface="Cambria Math" panose="02040503050406030204" pitchFamily="18" charset="0"/>
+                      </a:rPr>
+                      <m:t>𝑠</m:t>
+                    </m:r>
+                  </m:oMath>
+                </a14:m>
+                <a:r>
+                  <a:rPr lang="sk-SK" dirty="0" smtClean="0"/>
+                  <a:t> a derivácii vyšších stupňov </a:t>
+                </a:r>
+                <a14:m>
+                  <m:oMath xmlns:m="http://schemas.openxmlformats.org/officeDocument/2006/math">
+                    <m:sSup>
+                      <m:sSupPr>
+                        <m:ctrlPr>
+                          <a:rPr lang="sk-SK" i="1" smtClean="0">
+                            <a:latin typeface="Cambria Math" panose="02040503050406030204" pitchFamily="18" charset="0"/>
+                          </a:rPr>
+                        </m:ctrlPr>
+                      </m:sSupPr>
+                      <m:e>
+                        <m:r>
+                          <a:rPr lang="sk-SK" b="0" i="1" smtClean="0">
+                            <a:latin typeface="Cambria Math" panose="02040503050406030204" pitchFamily="18" charset="0"/>
+                          </a:rPr>
+                          <m:t>𝑠</m:t>
+                        </m:r>
+                      </m:e>
+                      <m:sup>
+                        <m:r>
+                          <a:rPr lang="sk-SK" b="0" i="1" smtClean="0">
+                            <a:latin typeface="Cambria Math" panose="02040503050406030204" pitchFamily="18" charset="0"/>
+                          </a:rPr>
+                          <m:t>𝑛</m:t>
+                        </m:r>
+                      </m:sup>
+                    </m:sSup>
+                  </m:oMath>
+                </a14:m>
                 <a:endParaRPr lang="sk-SK" dirty="0"/>
               </a:p>
               <a:p>
@@ -4467,13 +4647,13 @@
             </p:txBody>
           </p:sp>
         </mc:Choice>
-        <mc:Fallback>
+        <mc:Fallback xmlns="">
           <p:sp>
             <p:nvSpPr>
               <p:cNvPr id="3" name="Zástupný objekt pre obsah 2">
                 <a:extLst>
                   <a:ext uri="{FF2B5EF4-FFF2-40B4-BE49-F238E27FC236}">
-                    <a16:creationId xmlns:a16="http://schemas.microsoft.com/office/drawing/2014/main" id="{5BD42F2B-ABA1-4F3A-865F-32330FB152D7}"/>
+                    <a16:creationId xmlns:a16="http://schemas.microsoft.com/office/drawing/2014/main" xmlns:a14="http://schemas.microsoft.com/office/drawing/2010/main" xmlns="" id="{5BD42F2B-ABA1-4F3A-865F-32330FB152D7}"/>
                   </a:ext>
                 </a:extLst>
               </p:cNvPr>
@@ -4485,7 +4665,7 @@
               </p:nvPr>
             </p:nvSpPr>
             <p:spPr>
-              <a:blipFill>
+              <a:blipFill rotWithShape="0">
                 <a:blip r:embed="rId2"/>
                 <a:stretch>
                   <a:fillRect l="-803" t="-1291"/>
@@ -4507,14 +4687,14 @@
           </p:sp>
         </mc:Fallback>
       </mc:AlternateContent>
-      <mc:AlternateContent xmlns:mc="http://schemas.openxmlformats.org/markup-compatibility/2006">
-        <mc:Choice xmlns:a14="http://schemas.microsoft.com/office/drawing/2010/main" Requires="a14">
+      <mc:AlternateContent xmlns:mc="http://schemas.openxmlformats.org/markup-compatibility/2006" xmlns:a14="http://schemas.microsoft.com/office/drawing/2010/main">
+        <mc:Choice Requires="a14">
           <p:sp>
             <p:nvSpPr>
               <p:cNvPr id="5" name="Objekt 4">
                 <a:extLst>
                   <a:ext uri="{FF2B5EF4-FFF2-40B4-BE49-F238E27FC236}">
-                    <a16:creationId xmlns:a16="http://schemas.microsoft.com/office/drawing/2014/main" id="{2B9530D7-50B8-49D5-9421-24DA6AA8D50A}"/>
+                    <a16:creationId xmlns="" xmlns:a16="http://schemas.microsoft.com/office/drawing/2014/main" id="{2B9530D7-50B8-49D5-9421-24DA6AA8D50A}"/>
                   </a:ext>
                 </a:extLst>
               </p:cNvPr>
@@ -5485,7 +5665,7 @@
             </p:txBody>
           </p:sp>
         </mc:Choice>
-        <mc:Fallback>
+        <mc:Fallback xmlns="">
           <p:sp>
             <p:nvSpPr>
               <p:cNvPr id="5" name="Objekt 4">
@@ -5531,14 +5711,14 @@
           </p:sp>
         </mc:Fallback>
       </mc:AlternateContent>
-      <mc:AlternateContent xmlns:mc="http://schemas.openxmlformats.org/markup-compatibility/2006">
-        <mc:Choice xmlns:a14="http://schemas.microsoft.com/office/drawing/2010/main" Requires="a14">
+      <mc:AlternateContent xmlns:mc="http://schemas.openxmlformats.org/markup-compatibility/2006" xmlns:a14="http://schemas.microsoft.com/office/drawing/2010/main">
+        <mc:Choice Requires="a14">
           <p:sp>
             <p:nvSpPr>
               <p:cNvPr id="7" name="Objekt 6">
                 <a:extLst>
                   <a:ext uri="{FF2B5EF4-FFF2-40B4-BE49-F238E27FC236}">
-                    <a16:creationId xmlns:a16="http://schemas.microsoft.com/office/drawing/2014/main" id="{16432777-2D70-476C-B3FC-DEC9E60D4A22}"/>
+                    <a16:creationId xmlns="" xmlns:a16="http://schemas.microsoft.com/office/drawing/2014/main" id="{16432777-2D70-476C-B3FC-DEC9E60D4A22}"/>
                   </a:ext>
                 </a:extLst>
               </p:cNvPr>
@@ -6065,7 +6245,7 @@
             </p:txBody>
           </p:sp>
         </mc:Choice>
-        <mc:Fallback>
+        <mc:Fallback xmlns="">
           <p:sp>
             <p:nvSpPr>
               <p:cNvPr id="7" name="Objekt 6">
@@ -6111,14 +6291,14 @@
           </p:sp>
         </mc:Fallback>
       </mc:AlternateContent>
-      <mc:AlternateContent xmlns:mc="http://schemas.openxmlformats.org/markup-compatibility/2006">
-        <mc:Choice xmlns:a14="http://schemas.microsoft.com/office/drawing/2010/main" Requires="a14">
+      <mc:AlternateContent xmlns:mc="http://schemas.openxmlformats.org/markup-compatibility/2006" xmlns:a14="http://schemas.microsoft.com/office/drawing/2010/main">
+        <mc:Choice Requires="a14">
           <p:sp>
             <p:nvSpPr>
               <p:cNvPr id="8" name="Objekt 7">
                 <a:extLst>
                   <a:ext uri="{FF2B5EF4-FFF2-40B4-BE49-F238E27FC236}">
-                    <a16:creationId xmlns:a16="http://schemas.microsoft.com/office/drawing/2014/main" id="{864B9980-FFC7-47C1-A1E4-B6188693B32A}"/>
+                    <a16:creationId xmlns="" xmlns:a16="http://schemas.microsoft.com/office/drawing/2014/main" id="{864B9980-FFC7-47C1-A1E4-B6188693B32A}"/>
                   </a:ext>
                 </a:extLst>
               </p:cNvPr>
@@ -6691,7 +6871,7 @@
             </p:txBody>
           </p:sp>
         </mc:Choice>
-        <mc:Fallback>
+        <mc:Fallback xmlns="">
           <p:sp>
             <p:nvSpPr>
               <p:cNvPr id="8" name="Objekt 7">
@@ -6771,7 +6951,7 @@
           <p:cNvPr id="2" name="Nadpis 1">
             <a:extLst>
               <a:ext uri="{FF2B5EF4-FFF2-40B4-BE49-F238E27FC236}">
-                <a16:creationId xmlns:a16="http://schemas.microsoft.com/office/drawing/2014/main" id="{D1758640-2A56-43A9-9F27-EEC95C7339C4}"/>
+                <a16:creationId xmlns="" xmlns:a16="http://schemas.microsoft.com/office/drawing/2014/main" id="{D1758640-2A56-43A9-9F27-EEC95C7339C4}"/>
               </a:ext>
             </a:extLst>
           </p:cNvPr>
@@ -6793,6 +6973,10 @@
               <a:rPr lang="sk-SK" sz="4000" dirty="0"/>
               <a:t>Prenosová funkcia</a:t>
             </a:r>
+            <a:r>
+              <a:rPr lang="sk-SK" dirty="0"/>
+              <a:t/>
+            </a:r>
             <a:br>
               <a:rPr lang="sk-SK" dirty="0"/>
             </a:br>
@@ -6803,14 +6987,14 @@
           </a:p>
         </p:txBody>
       </p:sp>
-      <mc:AlternateContent xmlns:mc="http://schemas.openxmlformats.org/markup-compatibility/2006">
-        <mc:Choice xmlns:a14="http://schemas.microsoft.com/office/drawing/2010/main" Requires="a14">
+      <mc:AlternateContent xmlns:mc="http://schemas.openxmlformats.org/markup-compatibility/2006" xmlns:a14="http://schemas.microsoft.com/office/drawing/2010/main">
+        <mc:Choice Requires="a14">
           <p:sp>
             <p:nvSpPr>
               <p:cNvPr id="3" name="Zástupný objekt pre obsah 2">
                 <a:extLst>
                   <a:ext uri="{FF2B5EF4-FFF2-40B4-BE49-F238E27FC236}">
-                    <a16:creationId xmlns:a16="http://schemas.microsoft.com/office/drawing/2014/main" id="{905BCF15-A292-4435-871D-2EFF4A833C97}"/>
+                    <a16:creationId xmlns="" xmlns:a16="http://schemas.microsoft.com/office/drawing/2014/main" id="{905BCF15-A292-4435-871D-2EFF4A833C97}"/>
                   </a:ext>
                 </a:extLst>
               </p:cNvPr>
@@ -6926,7 +7110,7 @@
             </p:txBody>
           </p:sp>
         </mc:Choice>
-        <mc:Fallback>
+        <mc:Fallback xmlns="">
           <p:sp>
             <p:nvSpPr>
               <p:cNvPr id="3" name="Zástupný objekt pre obsah 2">
@@ -6977,7 +7161,7 @@
               <p:cNvPr id="4" name="Objekt 7">
                 <a:extLst>
                   <a:ext uri="{FF2B5EF4-FFF2-40B4-BE49-F238E27FC236}">
-                    <a16:creationId xmlns:a16="http://schemas.microsoft.com/office/drawing/2014/main" id="{2D91840E-5BE7-455C-9F02-0C8AFB7E7AEF}"/>
+                    <a16:creationId xmlns="" xmlns:a16="http://schemas.microsoft.com/office/drawing/2014/main" id="{2D91840E-5BE7-455C-9F02-0C8AFB7E7AEF}"/>
                   </a:ext>
                 </a:extLst>
               </p:cNvPr>
@@ -6986,7 +7170,7 @@
             </p:nvSpPr>
             <p:spPr bwMode="auto">
               <a:xfrm>
-                <a:off x="0" y="2411743"/>
+                <a:off x="-2" y="2411743"/>
                 <a:ext cx="9144000" cy="465681"/>
               </a:xfrm>
               <a:prstGeom prst="rect">
@@ -7150,7 +7334,7 @@
               <p:cNvPr id="4" name="Objekt 7">
                 <a:extLst>
                   <a:ext uri="{FF2B5EF4-FFF2-40B4-BE49-F238E27FC236}">
-                    <a16:creationId xmlns:a16="http://schemas.microsoft.com/office/drawing/2014/main" id="{2D91840E-5BE7-455C-9F02-0C8AFB7E7AEF}"/>
+                    <a16:creationId xmlns="" xmlns:a16="http://schemas.microsoft.com/office/drawing/2014/main" xmlns:a14="http://schemas.microsoft.com/office/drawing/2010/main" id="{2D91840E-5BE7-455C-9F02-0C8AFB7E7AEF}"/>
                   </a:ext>
                 </a:extLst>
               </p:cNvPr>
@@ -7161,13 +7345,13 @@
             </p:nvSpPr>
             <p:spPr bwMode="auto">
               <a:xfrm>
-                <a:off x="0" y="2411743"/>
+                <a:off x="-2" y="2411743"/>
                 <a:ext cx="9144000" cy="465681"/>
               </a:xfrm>
               <a:prstGeom prst="rect">
                 <a:avLst/>
               </a:prstGeom>
-              <a:blipFill>
+              <a:blipFill rotWithShape="0">
                 <a:blip r:embed="rId3"/>
                 <a:stretch>
                   <a:fillRect/>
@@ -7189,14 +7373,14 @@
           </p:sp>
         </mc:Fallback>
       </mc:AlternateContent>
-      <mc:AlternateContent xmlns:mc="http://schemas.openxmlformats.org/markup-compatibility/2006">
-        <mc:Choice xmlns:a14="http://schemas.microsoft.com/office/drawing/2010/main" Requires="a14">
+      <mc:AlternateContent xmlns:mc="http://schemas.openxmlformats.org/markup-compatibility/2006" xmlns:a14="http://schemas.microsoft.com/office/drawing/2010/main">
+        <mc:Choice Requires="a14">
           <p:sp>
             <p:nvSpPr>
               <p:cNvPr id="5" name="Objekt 7">
                 <a:extLst>
                   <a:ext uri="{FF2B5EF4-FFF2-40B4-BE49-F238E27FC236}">
-                    <a16:creationId xmlns:a16="http://schemas.microsoft.com/office/drawing/2014/main" id="{A4C71449-6785-48FE-AC0D-3650D4886D16}"/>
+                    <a16:creationId xmlns="" xmlns:a16="http://schemas.microsoft.com/office/drawing/2014/main" id="{A4C71449-6785-48FE-AC0D-3650D4886D16}"/>
                   </a:ext>
                 </a:extLst>
               </p:cNvPr>
@@ -7365,7 +7549,7 @@
             </p:txBody>
           </p:sp>
         </mc:Choice>
-        <mc:Fallback>
+        <mc:Fallback xmlns="">
           <p:sp>
             <p:nvSpPr>
               <p:cNvPr id="5" name="Objekt 7">
@@ -7410,14 +7594,14 @@
           </p:sp>
         </mc:Fallback>
       </mc:AlternateContent>
-      <mc:AlternateContent xmlns:mc="http://schemas.openxmlformats.org/markup-compatibility/2006">
-        <mc:Choice xmlns:a14="http://schemas.microsoft.com/office/drawing/2010/main" Requires="a14">
+      <mc:AlternateContent xmlns:mc="http://schemas.openxmlformats.org/markup-compatibility/2006" xmlns:a14="http://schemas.microsoft.com/office/drawing/2010/main">
+        <mc:Choice Requires="a14">
           <p:sp>
             <p:nvSpPr>
               <p:cNvPr id="6" name="Objekt 7">
                 <a:extLst>
                   <a:ext uri="{FF2B5EF4-FFF2-40B4-BE49-F238E27FC236}">
-                    <a16:creationId xmlns:a16="http://schemas.microsoft.com/office/drawing/2014/main" id="{DFABCE19-0ABB-4765-AC16-7276B766F8F2}"/>
+                    <a16:creationId xmlns="" xmlns:a16="http://schemas.microsoft.com/office/drawing/2014/main" id="{DFABCE19-0ABB-4765-AC16-7276B766F8F2}"/>
                   </a:ext>
                 </a:extLst>
               </p:cNvPr>
@@ -7548,7 +7732,7 @@
             </p:txBody>
           </p:sp>
         </mc:Choice>
-        <mc:Fallback>
+        <mc:Fallback xmlns="">
           <p:sp>
             <p:nvSpPr>
               <p:cNvPr id="6" name="Objekt 7">
@@ -7628,7 +7812,7 @@
           <p:cNvPr id="2" name="Nadpis 1">
             <a:extLst>
               <a:ext uri="{FF2B5EF4-FFF2-40B4-BE49-F238E27FC236}">
-                <a16:creationId xmlns:a16="http://schemas.microsoft.com/office/drawing/2014/main" id="{3B487C83-A1BC-4D2F-B508-FFDD1C7FD474}"/>
+                <a16:creationId xmlns="" xmlns:a16="http://schemas.microsoft.com/office/drawing/2014/main" id="{3B487C83-A1BC-4D2F-B508-FFDD1C7FD474}"/>
               </a:ext>
             </a:extLst>
           </p:cNvPr>
@@ -7654,13 +7838,22 @@
               <a:rPr lang="sk-SK" sz="4000" dirty="0"/>
               <a:t>á funkcia</a:t>
             </a:r>
+            <a:r>
+              <a:rPr lang="sk-SK" dirty="0"/>
+              <a:t/>
+            </a:r>
             <a:br>
               <a:rPr lang="sk-SK" dirty="0"/>
             </a:br>
             <a:r>
               <a:rPr lang="sk-SK" sz="2700" dirty="0"/>
-              <a:t>Podmienky definovania</a:t>
+              <a:t>Podmienky </a:t>
             </a:r>
+            <a:r>
+              <a:rPr lang="sk-SK" sz="2700" dirty="0" smtClean="0"/>
+              <a:t>existencie prenosovej funkcie</a:t>
+            </a:r>
+            <a:endParaRPr lang="sk-SK" sz="2700" dirty="0"/>
           </a:p>
         </p:txBody>
       </p:sp>
@@ -7669,7 +7862,7 @@
           <p:cNvPr id="3" name="Zástupný objekt pre obsah 2">
             <a:extLst>
               <a:ext uri="{FF2B5EF4-FFF2-40B4-BE49-F238E27FC236}">
-                <a16:creationId xmlns:a16="http://schemas.microsoft.com/office/drawing/2014/main" id="{A48877EA-2F33-4517-9D24-C9C13221D85A}"/>
+                <a16:creationId xmlns="" xmlns:a16="http://schemas.microsoft.com/office/drawing/2014/main" id="{A48877EA-2F33-4517-9D24-C9C13221D85A}"/>
               </a:ext>
             </a:extLst>
           </p:cNvPr>
@@ -7715,7 +7908,40 @@
             </a:r>
             <a:r>
               <a:rPr lang="sk-SK" dirty="0"/>
-              <a:t> transformácia impulznej charakteristiky, rovnako je definovaná ako pomer obrazu výstupnej veličiny k obrazu vstupnej veličiny.</a:t>
+              <a:t> </a:t>
+            </a:r>
+            <a:r>
+              <a:rPr lang="sk-SK" dirty="0" smtClean="0"/>
+              <a:t>transformácia priebehu </a:t>
+            </a:r>
+            <a:r>
+              <a:rPr lang="sk-SK" dirty="0"/>
+              <a:t>impulznej </a:t>
+            </a:r>
+            <a:r>
+              <a:rPr lang="sk-SK" dirty="0" smtClean="0"/>
+              <a:t>charakteristiky. </a:t>
+            </a:r>
+          </a:p>
+          <a:p>
+            <a:pPr marL="342900" lvl="0" indent="-342900">
+              <a:spcAft>
+                <a:spcPts val="1200"/>
+              </a:spcAft>
+              <a:buFont typeface="Arial" panose="020B0604020202020204" pitchFamily="34" charset="0"/>
+              <a:buChar char="•"/>
+            </a:pPr>
+            <a:r>
+              <a:rPr lang="sk-SK" dirty="0"/>
+              <a:t>R</a:t>
+            </a:r>
+            <a:r>
+              <a:rPr lang="sk-SK" dirty="0" smtClean="0"/>
+              <a:t>ovnako </a:t>
+            </a:r>
+            <a:r>
+              <a:rPr lang="sk-SK" dirty="0"/>
+              <a:t>je definovaná ako pomer obrazu výstupnej veličiny k obrazu vstupnej veličiny.</a:t>
             </a:r>
           </a:p>
           <a:p>
@@ -7797,7 +8023,7 @@
           <p:cNvPr id="2" name="Nadpis 1">
             <a:extLst>
               <a:ext uri="{FF2B5EF4-FFF2-40B4-BE49-F238E27FC236}">
-                <a16:creationId xmlns:a16="http://schemas.microsoft.com/office/drawing/2014/main" id="{D8E21988-E3BF-4FD1-8E07-E43E03176B81}"/>
+                <a16:creationId xmlns="" xmlns:a16="http://schemas.microsoft.com/office/drawing/2014/main" id="{D8E21988-E3BF-4FD1-8E07-E43E03176B81}"/>
               </a:ext>
             </a:extLst>
           </p:cNvPr>
@@ -7819,6 +8045,10 @@
               <a:rPr lang="sk-SK" sz="4000" dirty="0"/>
               <a:t>Bloková schéma</a:t>
             </a:r>
+            <a:r>
+              <a:rPr lang="sk-SK" dirty="0"/>
+              <a:t/>
+            </a:r>
             <a:br>
               <a:rPr lang="sk-SK" dirty="0"/>
             </a:br>
@@ -7834,7 +8064,7 @@
           <p:cNvPr id="3" name="Zástupný objekt pre obsah 2">
             <a:extLst>
               <a:ext uri="{FF2B5EF4-FFF2-40B4-BE49-F238E27FC236}">
-                <a16:creationId xmlns:a16="http://schemas.microsoft.com/office/drawing/2014/main" id="{B83CF823-BA42-4B64-B335-265C7E76872A}"/>
+                <a16:creationId xmlns="" xmlns:a16="http://schemas.microsoft.com/office/drawing/2014/main" id="{B83CF823-BA42-4B64-B335-265C7E76872A}"/>
               </a:ext>
             </a:extLst>
           </p:cNvPr>
@@ -7857,8 +8087,33 @@
           <a:p>
             <a:r>
               <a:rPr lang="sk-SK" dirty="0"/>
-              <a:t>Grafický opis systému, ktorý pozostáva z logického zapojenia prenosových funkcií.</a:t>
+              <a:t>Grafický opis systému, ktorý pozostáva z logického zapojenia prenosových funkcií</a:t>
             </a:r>
+            <a:r>
+              <a:rPr lang="sk-SK" dirty="0" smtClean="0"/>
+              <a:t>. Využívajú sa vlastnosti </a:t>
+            </a:r>
+            <a:r>
+              <a:rPr lang="sk-SK" dirty="0" err="1" smtClean="0"/>
+              <a:t>superpozície</a:t>
+            </a:r>
+            <a:r>
+              <a:rPr lang="sk-SK" dirty="0" smtClean="0"/>
+              <a:t> a </a:t>
+            </a:r>
+            <a:r>
+              <a:rPr lang="sk-SK" dirty="0" err="1" smtClean="0"/>
+              <a:t>linearity</a:t>
+            </a:r>
+            <a:r>
+              <a:rPr lang="sk-SK" dirty="0" smtClean="0"/>
+              <a:t> </a:t>
+            </a:r>
+            <a:r>
+              <a:rPr lang="sk-SK" smtClean="0"/>
+              <a:t>Laplaceovej transformácie. </a:t>
+            </a:r>
+            <a:endParaRPr lang="sk-SK" dirty="0"/>
           </a:p>
           <a:p>
             <a:r>
@@ -7911,7 +8166,7 @@
           <p:cNvPr id="4" name="Skupina 3">
             <a:extLst>
               <a:ext uri="{FF2B5EF4-FFF2-40B4-BE49-F238E27FC236}">
-                <a16:creationId xmlns:a16="http://schemas.microsoft.com/office/drawing/2014/main" id="{85D76E94-F41C-4091-9433-A89042AE58D5}"/>
+                <a16:creationId xmlns="" xmlns:a16="http://schemas.microsoft.com/office/drawing/2014/main" id="{85D76E94-F41C-4091-9433-A89042AE58D5}"/>
               </a:ext>
             </a:extLst>
           </p:cNvPr>
@@ -7926,14 +8181,14 @@
             <a:chExt cx="3438452" cy="376282"/>
           </a:xfrm>
         </p:grpSpPr>
-        <mc:AlternateContent xmlns:mc="http://schemas.openxmlformats.org/markup-compatibility/2006">
-          <mc:Choice xmlns:a14="http://schemas.microsoft.com/office/drawing/2010/main" Requires="a14">
+        <mc:AlternateContent xmlns:mc="http://schemas.openxmlformats.org/markup-compatibility/2006" xmlns:a14="http://schemas.microsoft.com/office/drawing/2010/main">
+          <mc:Choice Requires="a14">
             <p:sp>
               <p:nvSpPr>
                 <p:cNvPr id="5" name="Objekt 4">
                   <a:extLst>
                     <a:ext uri="{FF2B5EF4-FFF2-40B4-BE49-F238E27FC236}">
-                      <a16:creationId xmlns:a16="http://schemas.microsoft.com/office/drawing/2014/main" id="{1FFC86C8-D8AF-4D58-B9FF-2799247BD579}"/>
+                      <a16:creationId xmlns="" xmlns:a16="http://schemas.microsoft.com/office/drawing/2014/main" id="{1FFC86C8-D8AF-4D58-B9FF-2799247BD579}"/>
                     </a:ext>
                   </a:extLst>
                 </p:cNvPr>
@@ -8035,7 +8290,7 @@
               </p:txBody>
             </p:sp>
           </mc:Choice>
-          <mc:Fallback>
+          <mc:Fallback xmlns="">
             <p:sp>
               <p:nvSpPr>
                 <p:cNvPr id="5" name="Objekt 4">
@@ -8087,14 +8342,14 @@
             </p:sp>
           </mc:Fallback>
         </mc:AlternateContent>
-        <mc:AlternateContent xmlns:mc="http://schemas.openxmlformats.org/markup-compatibility/2006">
-          <mc:Choice xmlns:a14="http://schemas.microsoft.com/office/drawing/2010/main" Requires="a14">
+        <mc:AlternateContent xmlns:mc="http://schemas.openxmlformats.org/markup-compatibility/2006" xmlns:a14="http://schemas.microsoft.com/office/drawing/2010/main">
+          <mc:Choice Requires="a14">
             <p:sp>
               <p:nvSpPr>
                 <p:cNvPr id="6" name="Objekt 5">
                   <a:extLst>
                     <a:ext uri="{FF2B5EF4-FFF2-40B4-BE49-F238E27FC236}">
-                      <a16:creationId xmlns:a16="http://schemas.microsoft.com/office/drawing/2014/main" id="{37611B64-1F30-492C-9158-678CB8A3C80A}"/>
+                      <a16:creationId xmlns="" xmlns:a16="http://schemas.microsoft.com/office/drawing/2014/main" id="{37611B64-1F30-492C-9158-678CB8A3C80A}"/>
                     </a:ext>
                   </a:extLst>
                 </p:cNvPr>
@@ -8196,7 +8451,7 @@
               </p:txBody>
             </p:sp>
           </mc:Choice>
-          <mc:Fallback>
+          <mc:Fallback xmlns="">
             <p:sp>
               <p:nvSpPr>
                 <p:cNvPr id="6" name="Objekt 5">
@@ -8253,7 +8508,7 @@
             <p:cNvPr id="8" name="Rovná spojovacia šípka 7">
               <a:extLst>
                 <a:ext uri="{FF2B5EF4-FFF2-40B4-BE49-F238E27FC236}">
-                  <a16:creationId xmlns:a16="http://schemas.microsoft.com/office/drawing/2014/main" id="{DC01E07C-DA9F-4743-B783-8E34D5A9ECD6}"/>
+                  <a16:creationId xmlns="" xmlns:a16="http://schemas.microsoft.com/office/drawing/2014/main" id="{DC01E07C-DA9F-4743-B783-8E34D5A9ECD6}"/>
                 </a:ext>
               </a:extLst>
             </p:cNvPr>
@@ -8292,7 +8547,7 @@
             <p:cNvPr id="9" name="Rovná spojovacia šípka 8">
               <a:extLst>
                 <a:ext uri="{FF2B5EF4-FFF2-40B4-BE49-F238E27FC236}">
-                  <a16:creationId xmlns:a16="http://schemas.microsoft.com/office/drawing/2014/main" id="{0FE67F80-40BF-4959-BE78-1ABA42B28BB6}"/>
+                  <a16:creationId xmlns="" xmlns:a16="http://schemas.microsoft.com/office/drawing/2014/main" id="{0FE67F80-40BF-4959-BE78-1ABA42B28BB6}"/>
                 </a:ext>
               </a:extLst>
             </p:cNvPr>
@@ -8331,7 +8586,7 @@
             <p:cNvPr id="11" name="BlokTextu 10">
               <a:extLst>
                 <a:ext uri="{FF2B5EF4-FFF2-40B4-BE49-F238E27FC236}">
-                  <a16:creationId xmlns:a16="http://schemas.microsoft.com/office/drawing/2014/main" id="{7ED2522F-0C9E-4C4C-9252-1696975FCE3A}"/>
+                  <a16:creationId xmlns="" xmlns:a16="http://schemas.microsoft.com/office/drawing/2014/main" id="{7ED2522F-0C9E-4C4C-9252-1696975FCE3A}"/>
                 </a:ext>
               </a:extLst>
             </p:cNvPr>
@@ -8366,7 +8621,7 @@
             <p:cNvPr id="13" name="BlokTextu 12">
               <a:extLst>
                 <a:ext uri="{FF2B5EF4-FFF2-40B4-BE49-F238E27FC236}">
-                  <a16:creationId xmlns:a16="http://schemas.microsoft.com/office/drawing/2014/main" id="{CF60EC08-B003-4E23-AA14-7167882AEB93}"/>
+                  <a16:creationId xmlns="" xmlns:a16="http://schemas.microsoft.com/office/drawing/2014/main" id="{CF60EC08-B003-4E23-AA14-7167882AEB93}"/>
                 </a:ext>
               </a:extLst>
             </p:cNvPr>
@@ -8401,7 +8656,7 @@
             <p:cNvPr id="14" name="Rovná spojovacia šípka 13">
               <a:extLst>
                 <a:ext uri="{FF2B5EF4-FFF2-40B4-BE49-F238E27FC236}">
-                  <a16:creationId xmlns:a16="http://schemas.microsoft.com/office/drawing/2014/main" id="{7637FD71-9519-4D83-B364-188D80182B5A}"/>
+                  <a16:creationId xmlns="" xmlns:a16="http://schemas.microsoft.com/office/drawing/2014/main" id="{7637FD71-9519-4D83-B364-188D80182B5A}"/>
                 </a:ext>
               </a:extLst>
             </p:cNvPr>
@@ -8436,14 +8691,14 @@
           </p:style>
         </p:cxnSp>
       </p:grpSp>
-      <mc:AlternateContent xmlns:mc="http://schemas.openxmlformats.org/markup-compatibility/2006">
-        <mc:Choice xmlns:a14="http://schemas.microsoft.com/office/drawing/2010/main" Requires="a14">
+      <mc:AlternateContent xmlns:mc="http://schemas.openxmlformats.org/markup-compatibility/2006" xmlns:a14="http://schemas.microsoft.com/office/drawing/2010/main">
+        <mc:Choice Requires="a14">
           <p:sp>
             <p:nvSpPr>
               <p:cNvPr id="21" name="BlokTextu 20">
                 <a:extLst>
                   <a:ext uri="{FF2B5EF4-FFF2-40B4-BE49-F238E27FC236}">
-                    <a16:creationId xmlns:a16="http://schemas.microsoft.com/office/drawing/2014/main" id="{4A5874C2-56F3-464F-9AF6-979414AD0252}"/>
+                    <a16:creationId xmlns="" xmlns:a16="http://schemas.microsoft.com/office/drawing/2014/main" id="{4A5874C2-56F3-464F-9AF6-979414AD0252}"/>
                   </a:ext>
                 </a:extLst>
               </p:cNvPr>
@@ -8596,7 +8851,7 @@
             </p:txBody>
           </p:sp>
         </mc:Choice>
-        <mc:Fallback>
+        <mc:Fallback xmlns="">
           <p:sp>
             <p:nvSpPr>
               <p:cNvPr id="21" name="BlokTextu 20">
@@ -8646,7 +8901,7 @@
           <p:cNvPr id="59" name="Skupina 58">
             <a:extLst>
               <a:ext uri="{FF2B5EF4-FFF2-40B4-BE49-F238E27FC236}">
-                <a16:creationId xmlns:a16="http://schemas.microsoft.com/office/drawing/2014/main" id="{7EADF480-6DA6-41C5-A4D1-C635074264BE}"/>
+                <a16:creationId xmlns="" xmlns:a16="http://schemas.microsoft.com/office/drawing/2014/main" id="{7EADF480-6DA6-41C5-A4D1-C635074264BE}"/>
               </a:ext>
             </a:extLst>
           </p:cNvPr>
@@ -8666,7 +8921,7 @@
             <p:cNvPr id="22" name="Skupina 21">
               <a:extLst>
                 <a:ext uri="{FF2B5EF4-FFF2-40B4-BE49-F238E27FC236}">
-                  <a16:creationId xmlns:a16="http://schemas.microsoft.com/office/drawing/2014/main" id="{6910A3EE-B505-4EDA-8FBB-AB4AF3662A66}"/>
+                  <a16:creationId xmlns="" xmlns:a16="http://schemas.microsoft.com/office/drawing/2014/main" id="{6910A3EE-B505-4EDA-8FBB-AB4AF3662A66}"/>
                 </a:ext>
               </a:extLst>
             </p:cNvPr>
@@ -8686,7 +8941,7 @@
               <p:cNvPr id="23" name="BlokTextu 22">
                 <a:extLst>
                   <a:ext uri="{FF2B5EF4-FFF2-40B4-BE49-F238E27FC236}">
-                    <a16:creationId xmlns:a16="http://schemas.microsoft.com/office/drawing/2014/main" id="{62DAAD06-4E8E-46C1-83C5-B28FBBA295EE}"/>
+                    <a16:creationId xmlns="" xmlns:a16="http://schemas.microsoft.com/office/drawing/2014/main" id="{62DAAD06-4E8E-46C1-83C5-B28FBBA295EE}"/>
                   </a:ext>
                 </a:extLst>
               </p:cNvPr>
@@ -8716,14 +8971,14 @@
               </a:p>
             </p:txBody>
           </p:sp>
-          <mc:AlternateContent xmlns:mc="http://schemas.openxmlformats.org/markup-compatibility/2006">
-            <mc:Choice xmlns:a14="http://schemas.microsoft.com/office/drawing/2010/main" Requires="a14">
+          <mc:AlternateContent xmlns:mc="http://schemas.openxmlformats.org/markup-compatibility/2006" xmlns:a14="http://schemas.microsoft.com/office/drawing/2010/main">
+            <mc:Choice Requires="a14">
               <p:sp>
                 <p:nvSpPr>
                   <p:cNvPr id="24" name="Objekt 23">
                     <a:extLst>
                       <a:ext uri="{FF2B5EF4-FFF2-40B4-BE49-F238E27FC236}">
-                        <a16:creationId xmlns:a16="http://schemas.microsoft.com/office/drawing/2014/main" id="{D822BD18-5EEB-423D-ADB9-364CCB691D88}"/>
+                        <a16:creationId xmlns="" xmlns:a16="http://schemas.microsoft.com/office/drawing/2014/main" id="{D822BD18-5EEB-423D-ADB9-364CCB691D88}"/>
                       </a:ext>
                     </a:extLst>
                   </p:cNvPr>
@@ -8825,7 +9080,7 @@
                 </p:txBody>
               </p:sp>
             </mc:Choice>
-            <mc:Fallback>
+            <mc:Fallback xmlns="">
               <p:sp>
                 <p:nvSpPr>
                   <p:cNvPr id="24" name="Objekt 23">
@@ -8877,14 +9132,14 @@
               </p:sp>
             </mc:Fallback>
           </mc:AlternateContent>
-          <mc:AlternateContent xmlns:mc="http://schemas.openxmlformats.org/markup-compatibility/2006">
-            <mc:Choice xmlns:a14="http://schemas.microsoft.com/office/drawing/2010/main" Requires="a14">
+          <mc:AlternateContent xmlns:mc="http://schemas.openxmlformats.org/markup-compatibility/2006" xmlns:a14="http://schemas.microsoft.com/office/drawing/2010/main">
+            <mc:Choice Requires="a14">
               <p:sp>
                 <p:nvSpPr>
                   <p:cNvPr id="25" name="Objekt 24">
                     <a:extLst>
                       <a:ext uri="{FF2B5EF4-FFF2-40B4-BE49-F238E27FC236}">
-                        <a16:creationId xmlns:a16="http://schemas.microsoft.com/office/drawing/2014/main" id="{8DE88714-C789-404A-9B0B-A979E5C56363}"/>
+                        <a16:creationId xmlns="" xmlns:a16="http://schemas.microsoft.com/office/drawing/2014/main" id="{8DE88714-C789-404A-9B0B-A979E5C56363}"/>
                       </a:ext>
                     </a:extLst>
                   </p:cNvPr>
@@ -8986,7 +9241,7 @@
                 </p:txBody>
               </p:sp>
             </mc:Choice>
-            <mc:Fallback>
+            <mc:Fallback xmlns="">
               <p:sp>
                 <p:nvSpPr>
                   <p:cNvPr id="25" name="Objekt 24">
@@ -9043,7 +9298,7 @@
               <p:cNvPr id="27" name="Rovná spojovacia šípka 26">
                 <a:extLst>
                   <a:ext uri="{FF2B5EF4-FFF2-40B4-BE49-F238E27FC236}">
-                    <a16:creationId xmlns:a16="http://schemas.microsoft.com/office/drawing/2014/main" id="{C47CA678-087A-4029-A69E-0E44955E01A6}"/>
+                    <a16:creationId xmlns="" xmlns:a16="http://schemas.microsoft.com/office/drawing/2014/main" id="{C47CA678-087A-4029-A69E-0E44955E01A6}"/>
                   </a:ext>
                 </a:extLst>
               </p:cNvPr>
@@ -9084,7 +9339,7 @@
               <p:cNvPr id="28" name="Rovná spojovacia šípka 27">
                 <a:extLst>
                   <a:ext uri="{FF2B5EF4-FFF2-40B4-BE49-F238E27FC236}">
-                    <a16:creationId xmlns:a16="http://schemas.microsoft.com/office/drawing/2014/main" id="{F9B5FD89-19C6-49F0-86D3-73F67644A3F3}"/>
+                    <a16:creationId xmlns="" xmlns:a16="http://schemas.microsoft.com/office/drawing/2014/main" id="{F9B5FD89-19C6-49F0-86D3-73F67644A3F3}"/>
                   </a:ext>
                 </a:extLst>
               </p:cNvPr>
@@ -9125,7 +9380,7 @@
               <p:cNvPr id="31" name="Objekt 30">
                 <a:extLst>
                   <a:ext uri="{FF2B5EF4-FFF2-40B4-BE49-F238E27FC236}">
-                    <a16:creationId xmlns:a16="http://schemas.microsoft.com/office/drawing/2014/main" id="{276D97C1-28CD-4F17-9FB2-84E6F613753C}"/>
+                    <a16:creationId xmlns="" xmlns:a16="http://schemas.microsoft.com/office/drawing/2014/main" id="{276D97C1-28CD-4F17-9FB2-84E6F613753C}"/>
                   </a:ext>
                 </a:extLst>
               </p:cNvPr>
@@ -9155,7 +9410,6 @@
               </a:bodyPr>
               <a:lstStyle/>
               <a:p>
-                <a:pPr/>
                 <a:r>
                   <a:rPr lang="sk-SK" dirty="0"/>
                   <a:t>+</a:t>
@@ -9168,7 +9422,7 @@
               <p:cNvPr id="32" name="Rovná spojovacia šípka 31">
                 <a:extLst>
                   <a:ext uri="{FF2B5EF4-FFF2-40B4-BE49-F238E27FC236}">
-                    <a16:creationId xmlns:a16="http://schemas.microsoft.com/office/drawing/2014/main" id="{7D47B909-9C94-4DA5-93C6-53D2F5063A0C}"/>
+                    <a16:creationId xmlns="" xmlns:a16="http://schemas.microsoft.com/office/drawing/2014/main" id="{7D47B909-9C94-4DA5-93C6-53D2F5063A0C}"/>
                   </a:ext>
                 </a:extLst>
               </p:cNvPr>
@@ -9207,7 +9461,7 @@
               <p:cNvPr id="33" name="Rovná spojovacia šípka 32">
                 <a:extLst>
                   <a:ext uri="{FF2B5EF4-FFF2-40B4-BE49-F238E27FC236}">
-                    <a16:creationId xmlns:a16="http://schemas.microsoft.com/office/drawing/2014/main" id="{89F28728-7E51-4E5D-8784-1AD97E07C818}"/>
+                    <a16:creationId xmlns="" xmlns:a16="http://schemas.microsoft.com/office/drawing/2014/main" id="{89F28728-7E51-4E5D-8784-1AD97E07C818}"/>
                   </a:ext>
                 </a:extLst>
               </p:cNvPr>
@@ -9246,7 +9500,7 @@
               <p:cNvPr id="35" name="Rovná spojovacia šípka 34">
                 <a:extLst>
                   <a:ext uri="{FF2B5EF4-FFF2-40B4-BE49-F238E27FC236}">
-                    <a16:creationId xmlns:a16="http://schemas.microsoft.com/office/drawing/2014/main" id="{056EDEA2-FDBE-40E6-983A-FB38ACCE5934}"/>
+                    <a16:creationId xmlns="" xmlns:a16="http://schemas.microsoft.com/office/drawing/2014/main" id="{056EDEA2-FDBE-40E6-983A-FB38ACCE5934}"/>
                   </a:ext>
                 </a:extLst>
               </p:cNvPr>
@@ -9285,7 +9539,7 @@
               <p:cNvPr id="36" name="Rovná spojnica 35">
                 <a:extLst>
                   <a:ext uri="{FF2B5EF4-FFF2-40B4-BE49-F238E27FC236}">
-                    <a16:creationId xmlns:a16="http://schemas.microsoft.com/office/drawing/2014/main" id="{9A9524AA-0323-471D-A855-18D552B03DF8}"/>
+                    <a16:creationId xmlns="" xmlns:a16="http://schemas.microsoft.com/office/drawing/2014/main" id="{9A9524AA-0323-471D-A855-18D552B03DF8}"/>
                   </a:ext>
                 </a:extLst>
               </p:cNvPr>
@@ -9321,7 +9575,7 @@
               <p:cNvPr id="37" name="Rovná spojnica 36">
                 <a:extLst>
                   <a:ext uri="{FF2B5EF4-FFF2-40B4-BE49-F238E27FC236}">
-                    <a16:creationId xmlns:a16="http://schemas.microsoft.com/office/drawing/2014/main" id="{7F1DD1C6-5CC9-4112-A370-5835E9A19E0C}"/>
+                    <a16:creationId xmlns="" xmlns:a16="http://schemas.microsoft.com/office/drawing/2014/main" id="{7F1DD1C6-5CC9-4112-A370-5835E9A19E0C}"/>
                   </a:ext>
                 </a:extLst>
               </p:cNvPr>
@@ -9359,7 +9613,7 @@
               <p:cNvPr id="42" name="BlokTextu 41">
                 <a:extLst>
                   <a:ext uri="{FF2B5EF4-FFF2-40B4-BE49-F238E27FC236}">
-                    <a16:creationId xmlns:a16="http://schemas.microsoft.com/office/drawing/2014/main" id="{D7C71C0C-4988-486E-91FE-29483C569A4E}"/>
+                    <a16:creationId xmlns="" xmlns:a16="http://schemas.microsoft.com/office/drawing/2014/main" id="{D7C71C0C-4988-486E-91FE-29483C569A4E}"/>
                   </a:ext>
                 </a:extLst>
               </p:cNvPr>
@@ -9395,7 +9649,7 @@
             <p:cNvPr id="57" name="Ovál 56">
               <a:extLst>
                 <a:ext uri="{FF2B5EF4-FFF2-40B4-BE49-F238E27FC236}">
-                  <a16:creationId xmlns:a16="http://schemas.microsoft.com/office/drawing/2014/main" id="{E560713A-DF23-4E6B-BB3B-B267E02A6922}"/>
+                  <a16:creationId xmlns="" xmlns:a16="http://schemas.microsoft.com/office/drawing/2014/main" id="{E560713A-DF23-4E6B-BB3B-B267E02A6922}"/>
                 </a:ext>
               </a:extLst>
             </p:cNvPr>
@@ -9441,7 +9695,7 @@
             <p:cNvPr id="58" name="Rovná spojnica 57">
               <a:extLst>
                 <a:ext uri="{FF2B5EF4-FFF2-40B4-BE49-F238E27FC236}">
-                  <a16:creationId xmlns:a16="http://schemas.microsoft.com/office/drawing/2014/main" id="{6C5848A4-6B36-4814-B26C-6A7C77A0D0DA}"/>
+                  <a16:creationId xmlns="" xmlns:a16="http://schemas.microsoft.com/office/drawing/2014/main" id="{6C5848A4-6B36-4814-B26C-6A7C77A0D0DA}"/>
                 </a:ext>
               </a:extLst>
             </p:cNvPr>
@@ -9475,14 +9729,14 @@
           </p:style>
         </p:cxnSp>
       </p:grpSp>
-      <mc:AlternateContent xmlns:mc="http://schemas.openxmlformats.org/markup-compatibility/2006">
-        <mc:Choice xmlns:a14="http://schemas.microsoft.com/office/drawing/2010/main" Requires="a14">
+      <mc:AlternateContent xmlns:mc="http://schemas.openxmlformats.org/markup-compatibility/2006" xmlns:a14="http://schemas.microsoft.com/office/drawing/2010/main">
+        <mc:Choice Requires="a14">
           <p:sp>
             <p:nvSpPr>
               <p:cNvPr id="60" name="Obdĺžnik 59">
                 <a:extLst>
                   <a:ext uri="{FF2B5EF4-FFF2-40B4-BE49-F238E27FC236}">
-                    <a16:creationId xmlns:a16="http://schemas.microsoft.com/office/drawing/2014/main" id="{F62BA229-AA4B-42C9-AFB7-2FC753207EE9}"/>
+                    <a16:creationId xmlns="" xmlns:a16="http://schemas.microsoft.com/office/drawing/2014/main" id="{F62BA229-AA4B-42C9-AFB7-2FC753207EE9}"/>
                   </a:ext>
                 </a:extLst>
               </p:cNvPr>
@@ -9639,7 +9893,7 @@
             </p:txBody>
           </p:sp>
         </mc:Choice>
-        <mc:Fallback>
+        <mc:Fallback xmlns="">
           <p:sp>
             <p:nvSpPr>
               <p:cNvPr id="60" name="Obdĺžnik 59">
@@ -9684,14 +9938,14 @@
           </p:sp>
         </mc:Fallback>
       </mc:AlternateContent>
-      <mc:AlternateContent xmlns:mc="http://schemas.openxmlformats.org/markup-compatibility/2006">
-        <mc:Choice xmlns:a14="http://schemas.microsoft.com/office/drawing/2010/main" Requires="a14">
+      <mc:AlternateContent xmlns:mc="http://schemas.openxmlformats.org/markup-compatibility/2006" xmlns:a14="http://schemas.microsoft.com/office/drawing/2010/main">
+        <mc:Choice Requires="a14">
           <p:sp>
             <p:nvSpPr>
               <p:cNvPr id="81" name="Obdĺžnik 80">
                 <a:extLst>
                   <a:ext uri="{FF2B5EF4-FFF2-40B4-BE49-F238E27FC236}">
-                    <a16:creationId xmlns:a16="http://schemas.microsoft.com/office/drawing/2014/main" id="{E8407130-3B97-4DD3-9829-156F32BEE4F9}"/>
+                    <a16:creationId xmlns="" xmlns:a16="http://schemas.microsoft.com/office/drawing/2014/main" id="{E8407130-3B97-4DD3-9829-156F32BEE4F9}"/>
                   </a:ext>
                 </a:extLst>
               </p:cNvPr>
@@ -9910,7 +10164,7 @@
             </p:txBody>
           </p:sp>
         </mc:Choice>
-        <mc:Fallback>
+        <mc:Fallback xmlns="">
           <p:sp>
             <p:nvSpPr>
               <p:cNvPr id="81" name="Obdĺžnik 80">
@@ -9960,7 +10214,7 @@
           <p:cNvPr id="84" name="Skupina 83">
             <a:extLst>
               <a:ext uri="{FF2B5EF4-FFF2-40B4-BE49-F238E27FC236}">
-                <a16:creationId xmlns:a16="http://schemas.microsoft.com/office/drawing/2014/main" id="{6B274EA3-54CE-4823-AD17-91AAD8DD6FDD}"/>
+                <a16:creationId xmlns="" xmlns:a16="http://schemas.microsoft.com/office/drawing/2014/main" id="{6B274EA3-54CE-4823-AD17-91AAD8DD6FDD}"/>
               </a:ext>
             </a:extLst>
           </p:cNvPr>
@@ -9980,7 +10234,7 @@
             <p:cNvPr id="61" name="Skupina 60">
               <a:extLst>
                 <a:ext uri="{FF2B5EF4-FFF2-40B4-BE49-F238E27FC236}">
-                  <a16:creationId xmlns:a16="http://schemas.microsoft.com/office/drawing/2014/main" id="{F710C626-6A69-4B55-AE60-5F04475D65C6}"/>
+                  <a16:creationId xmlns="" xmlns:a16="http://schemas.microsoft.com/office/drawing/2014/main" id="{F710C626-6A69-4B55-AE60-5F04475D65C6}"/>
                 </a:ext>
               </a:extLst>
             </p:cNvPr>
@@ -10000,7 +10254,7 @@
               <p:cNvPr id="62" name="Rovná spojovacia šípka 61">
                 <a:extLst>
                   <a:ext uri="{FF2B5EF4-FFF2-40B4-BE49-F238E27FC236}">
-                    <a16:creationId xmlns:a16="http://schemas.microsoft.com/office/drawing/2014/main" id="{1D033F8D-0ECC-49A1-94BC-2CE6719A505D}"/>
+                    <a16:creationId xmlns="" xmlns:a16="http://schemas.microsoft.com/office/drawing/2014/main" id="{1D033F8D-0ECC-49A1-94BC-2CE6719A505D}"/>
                   </a:ext>
                 </a:extLst>
               </p:cNvPr>
@@ -10037,14 +10291,14 @@
               </a:fontRef>
             </p:style>
           </p:cxnSp>
-          <mc:AlternateContent xmlns:mc="http://schemas.openxmlformats.org/markup-compatibility/2006">
-            <mc:Choice xmlns:a14="http://schemas.microsoft.com/office/drawing/2010/main" Requires="a14">
+          <mc:AlternateContent xmlns:mc="http://schemas.openxmlformats.org/markup-compatibility/2006" xmlns:a14="http://schemas.microsoft.com/office/drawing/2010/main">
+            <mc:Choice Requires="a14">
               <p:sp>
                 <p:nvSpPr>
                   <p:cNvPr id="63" name="Objekt 62">
                     <a:extLst>
                       <a:ext uri="{FF2B5EF4-FFF2-40B4-BE49-F238E27FC236}">
-                        <a16:creationId xmlns:a16="http://schemas.microsoft.com/office/drawing/2014/main" id="{975D5F80-72AE-496C-A854-A2948FB4E86D}"/>
+                        <a16:creationId xmlns="" xmlns:a16="http://schemas.microsoft.com/office/drawing/2014/main" id="{975D5F80-72AE-496C-A854-A2948FB4E86D}"/>
                       </a:ext>
                     </a:extLst>
                   </p:cNvPr>
@@ -10150,7 +10404,7 @@
                 </p:txBody>
               </p:sp>
             </mc:Choice>
-            <mc:Fallback>
+            <mc:Fallback xmlns="">
               <p:sp>
                 <p:nvSpPr>
                   <p:cNvPr id="63" name="Objekt 62">
@@ -10206,14 +10460,14 @@
               </p:sp>
             </mc:Fallback>
           </mc:AlternateContent>
-          <mc:AlternateContent xmlns:mc="http://schemas.openxmlformats.org/markup-compatibility/2006">
-            <mc:Choice xmlns:a14="http://schemas.microsoft.com/office/drawing/2010/main" Requires="a14">
+          <mc:AlternateContent xmlns:mc="http://schemas.openxmlformats.org/markup-compatibility/2006" xmlns:a14="http://schemas.microsoft.com/office/drawing/2010/main">
+            <mc:Choice Requires="a14">
               <p:sp>
                 <p:nvSpPr>
                   <p:cNvPr id="64" name="Objekt 63">
                     <a:extLst>
                       <a:ext uri="{FF2B5EF4-FFF2-40B4-BE49-F238E27FC236}">
-                        <a16:creationId xmlns:a16="http://schemas.microsoft.com/office/drawing/2014/main" id="{6A37A3EF-7B74-43FA-9A6D-80A06CD71106}"/>
+                        <a16:creationId xmlns="" xmlns:a16="http://schemas.microsoft.com/office/drawing/2014/main" id="{6A37A3EF-7B74-43FA-9A6D-80A06CD71106}"/>
                       </a:ext>
                     </a:extLst>
                   </p:cNvPr>
@@ -10319,7 +10573,7 @@
                 </p:txBody>
               </p:sp>
             </mc:Choice>
-            <mc:Fallback>
+            <mc:Fallback xmlns="">
               <p:sp>
                 <p:nvSpPr>
                   <p:cNvPr id="64" name="Objekt 63">
@@ -10380,7 +10634,7 @@
               <p:cNvPr id="65" name="Rovná spojovacia šípka 64">
                 <a:extLst>
                   <a:ext uri="{FF2B5EF4-FFF2-40B4-BE49-F238E27FC236}">
-                    <a16:creationId xmlns:a16="http://schemas.microsoft.com/office/drawing/2014/main" id="{2826A265-652C-4622-AF95-265C6B42C0E2}"/>
+                    <a16:creationId xmlns="" xmlns:a16="http://schemas.microsoft.com/office/drawing/2014/main" id="{2826A265-652C-4622-AF95-265C6B42C0E2}"/>
                   </a:ext>
                 </a:extLst>
               </p:cNvPr>
@@ -10419,7 +10673,7 @@
               <p:cNvPr id="66" name="Rovná spojovacia šípka 65">
                 <a:extLst>
                   <a:ext uri="{FF2B5EF4-FFF2-40B4-BE49-F238E27FC236}">
-                    <a16:creationId xmlns:a16="http://schemas.microsoft.com/office/drawing/2014/main" id="{1D40FA6E-672C-405F-9DD4-899FECF69EBC}"/>
+                    <a16:creationId xmlns="" xmlns:a16="http://schemas.microsoft.com/office/drawing/2014/main" id="{1D40FA6E-672C-405F-9DD4-899FECF69EBC}"/>
                   </a:ext>
                 </a:extLst>
               </p:cNvPr>
@@ -10458,7 +10712,7 @@
               <p:cNvPr id="67" name="Ovál 66">
                 <a:extLst>
                   <a:ext uri="{FF2B5EF4-FFF2-40B4-BE49-F238E27FC236}">
-                    <a16:creationId xmlns:a16="http://schemas.microsoft.com/office/drawing/2014/main" id="{D25C6052-F110-46FE-9340-BB2300884741}"/>
+                    <a16:creationId xmlns="" xmlns:a16="http://schemas.microsoft.com/office/drawing/2014/main" id="{D25C6052-F110-46FE-9340-BB2300884741}"/>
                   </a:ext>
                 </a:extLst>
               </p:cNvPr>
@@ -10505,7 +10759,7 @@
               <p:cNvPr id="68" name="Rovná spojovacia šípka 67">
                 <a:extLst>
                   <a:ext uri="{FF2B5EF4-FFF2-40B4-BE49-F238E27FC236}">
-                    <a16:creationId xmlns:a16="http://schemas.microsoft.com/office/drawing/2014/main" id="{BAD803A1-4F5F-4963-BD40-1225B0CB4A9C}"/>
+                    <a16:creationId xmlns="" xmlns:a16="http://schemas.microsoft.com/office/drawing/2014/main" id="{BAD803A1-4F5F-4963-BD40-1225B0CB4A9C}"/>
                   </a:ext>
                 </a:extLst>
               </p:cNvPr>
@@ -10548,7 +10802,7 @@
               <p:cNvPr id="69" name="Rovná spojovacia šípka 68">
                 <a:extLst>
                   <a:ext uri="{FF2B5EF4-FFF2-40B4-BE49-F238E27FC236}">
-                    <a16:creationId xmlns:a16="http://schemas.microsoft.com/office/drawing/2014/main" id="{24C918BF-1DF8-4567-ADEE-8E554F03FBAC}"/>
+                    <a16:creationId xmlns="" xmlns:a16="http://schemas.microsoft.com/office/drawing/2014/main" id="{24C918BF-1DF8-4567-ADEE-8E554F03FBAC}"/>
                   </a:ext>
                 </a:extLst>
               </p:cNvPr>
@@ -10587,7 +10841,7 @@
               <p:cNvPr id="70" name="Rovná spojnica 69">
                 <a:extLst>
                   <a:ext uri="{FF2B5EF4-FFF2-40B4-BE49-F238E27FC236}">
-                    <a16:creationId xmlns:a16="http://schemas.microsoft.com/office/drawing/2014/main" id="{D6E39B27-5A49-4B16-BF28-456D08EA8B3A}"/>
+                    <a16:creationId xmlns="" xmlns:a16="http://schemas.microsoft.com/office/drawing/2014/main" id="{D6E39B27-5A49-4B16-BF28-456D08EA8B3A}"/>
                   </a:ext>
                 </a:extLst>
               </p:cNvPr>
@@ -10623,7 +10877,7 @@
               <p:cNvPr id="71" name="Rovná spojnica 70">
                 <a:extLst>
                   <a:ext uri="{FF2B5EF4-FFF2-40B4-BE49-F238E27FC236}">
-                    <a16:creationId xmlns:a16="http://schemas.microsoft.com/office/drawing/2014/main" id="{03ABCCF9-7A56-49EA-B518-6EFFC7A7D353}"/>
+                    <a16:creationId xmlns="" xmlns:a16="http://schemas.microsoft.com/office/drawing/2014/main" id="{03ABCCF9-7A56-49EA-B518-6EFFC7A7D353}"/>
                   </a:ext>
                 </a:extLst>
               </p:cNvPr>
@@ -10659,7 +10913,7 @@
               <p:cNvPr id="72" name="BlokTextu 71">
                 <a:extLst>
                   <a:ext uri="{FF2B5EF4-FFF2-40B4-BE49-F238E27FC236}">
-                    <a16:creationId xmlns:a16="http://schemas.microsoft.com/office/drawing/2014/main" id="{850B025D-68D7-47CC-A7A5-38ACF21AADD2}"/>
+                    <a16:creationId xmlns="" xmlns:a16="http://schemas.microsoft.com/office/drawing/2014/main" id="{850B025D-68D7-47CC-A7A5-38ACF21AADD2}"/>
                   </a:ext>
                 </a:extLst>
               </p:cNvPr>
@@ -10694,7 +10948,7 @@
               <p:cNvPr id="73" name="BlokTextu 72">
                 <a:extLst>
                   <a:ext uri="{FF2B5EF4-FFF2-40B4-BE49-F238E27FC236}">
-                    <a16:creationId xmlns:a16="http://schemas.microsoft.com/office/drawing/2014/main" id="{ED89988E-2F19-4592-90BD-F537E776E25C}"/>
+                    <a16:creationId xmlns="" xmlns:a16="http://schemas.microsoft.com/office/drawing/2014/main" id="{ED89988E-2F19-4592-90BD-F537E776E25C}"/>
                   </a:ext>
                 </a:extLst>
               </p:cNvPr>
@@ -10731,7 +10985,7 @@
             <p:cNvPr id="82" name="Znak plus 81">
               <a:extLst>
                 <a:ext uri="{FF2B5EF4-FFF2-40B4-BE49-F238E27FC236}">
-                  <a16:creationId xmlns:a16="http://schemas.microsoft.com/office/drawing/2014/main" id="{7E3642A5-4DDA-4C9E-998F-722B26CABF35}"/>
+                  <a16:creationId xmlns="" xmlns:a16="http://schemas.microsoft.com/office/drawing/2014/main" id="{7E3642A5-4DDA-4C9E-998F-722B26CABF35}"/>
                 </a:ext>
               </a:extLst>
             </p:cNvPr>
@@ -10777,7 +11031,7 @@
             <p:cNvPr id="83" name="Znak plus 82">
               <a:extLst>
                 <a:ext uri="{FF2B5EF4-FFF2-40B4-BE49-F238E27FC236}">
-                  <a16:creationId xmlns:a16="http://schemas.microsoft.com/office/drawing/2014/main" id="{969FBB28-976E-4808-9D13-2E8316F4985E}"/>
+                  <a16:creationId xmlns="" xmlns:a16="http://schemas.microsoft.com/office/drawing/2014/main" id="{969FBB28-976E-4808-9D13-2E8316F4985E}"/>
                 </a:ext>
               </a:extLst>
             </p:cNvPr>
@@ -10932,7 +11186,7 @@
           <p:cNvPr id="2" name="Nadpis 1">
             <a:extLst>
               <a:ext uri="{FF2B5EF4-FFF2-40B4-BE49-F238E27FC236}">
-                <a16:creationId xmlns:a16="http://schemas.microsoft.com/office/drawing/2014/main" id="{C2FDA299-936A-423A-AA14-1F9EB95C162F}"/>
+                <a16:creationId xmlns="" xmlns:a16="http://schemas.microsoft.com/office/drawing/2014/main" id="{C2FDA299-936A-423A-AA14-1F9EB95C162F}"/>
               </a:ext>
             </a:extLst>
           </p:cNvPr>
@@ -10954,6 +11208,10 @@
               <a:rPr lang="sk-SK" sz="4000" dirty="0"/>
               <a:t>Bloková schéma</a:t>
             </a:r>
+            <a:r>
+              <a:rPr lang="sk-SK" dirty="0"/>
+              <a:t/>
+            </a:r>
             <a:br>
               <a:rPr lang="sk-SK" dirty="0"/>
             </a:br>
@@ -10969,7 +11227,7 @@
           <p:cNvPr id="4" name="Skupina 3">
             <a:extLst>
               <a:ext uri="{FF2B5EF4-FFF2-40B4-BE49-F238E27FC236}">
-                <a16:creationId xmlns:a16="http://schemas.microsoft.com/office/drawing/2014/main" id="{B49B2309-B051-4555-BAB0-FF9855B2CE0F}"/>
+                <a16:creationId xmlns="" xmlns:a16="http://schemas.microsoft.com/office/drawing/2014/main" id="{B49B2309-B051-4555-BAB0-FF9855B2CE0F}"/>
               </a:ext>
             </a:extLst>
           </p:cNvPr>
@@ -10989,7 +11247,7 @@
             <p:cNvPr id="5" name="Rovná spojovacia šípka 4">
               <a:extLst>
                 <a:ext uri="{FF2B5EF4-FFF2-40B4-BE49-F238E27FC236}">
-                  <a16:creationId xmlns:a16="http://schemas.microsoft.com/office/drawing/2014/main" id="{FC6864A7-45F9-407A-B7E2-27B74395154A}"/>
+                  <a16:creationId xmlns="" xmlns:a16="http://schemas.microsoft.com/office/drawing/2014/main" id="{FC6864A7-45F9-407A-B7E2-27B74395154A}"/>
                 </a:ext>
               </a:extLst>
             </p:cNvPr>
@@ -11028,7 +11286,7 @@
             <p:cNvPr id="6" name="Objekt 5">
               <a:extLst>
                 <a:ext uri="{FF2B5EF4-FFF2-40B4-BE49-F238E27FC236}">
-                  <a16:creationId xmlns:a16="http://schemas.microsoft.com/office/drawing/2014/main" id="{6BD1FD0C-003F-4DA9-9A76-9594437672A3}"/>
+                  <a16:creationId xmlns="" xmlns:a16="http://schemas.microsoft.com/office/drawing/2014/main" id="{6BD1FD0C-003F-4DA9-9A76-9594437672A3}"/>
                 </a:ext>
               </a:extLst>
             </p:cNvPr>
@@ -11051,7 +11309,7 @@
             <a:graphicData uri="http://schemas.openxmlformats.org/presentationml/2006/ole">
               <mc:AlternateContent xmlns:mc="http://schemas.openxmlformats.org/markup-compatibility/2006">
                 <mc:Choice xmlns:v="urn:schemas-microsoft-com:vml" Requires="v">
-                  <p:oleObj spid="_x0000_s2151" name="Rovnica" r:id="rId3" imgW="583920" imgH="317160" progId="Equation.3">
+                  <p:oleObj spid="_x0000_s2239" name="Rovnica" r:id="rId3" imgW="583920" imgH="317160" progId="Equation.3">
                     <p:embed/>
                   </p:oleObj>
                 </mc:Choice>
@@ -11063,7 +11321,7 @@
                         <p:cNvPr id="4" name="Objekt 3">
                           <a:extLst>
                             <a:ext uri="{FF2B5EF4-FFF2-40B4-BE49-F238E27FC236}">
-                              <a16:creationId xmlns:a16="http://schemas.microsoft.com/office/drawing/2014/main" id="{CDA409D3-3184-4B01-A5CB-3D3E09E863C8}"/>
+                              <a16:creationId xmlns="" xmlns:a16="http://schemas.microsoft.com/office/drawing/2014/main" id="{CDA409D3-3184-4B01-A5CB-3D3E09E863C8}"/>
                             </a:ext>
                           </a:extLst>
                         </p:cNvPr>
@@ -11120,7 +11378,7 @@
             <p:cNvPr id="7" name="Objekt 6">
               <a:extLst>
                 <a:ext uri="{FF2B5EF4-FFF2-40B4-BE49-F238E27FC236}">
-                  <a16:creationId xmlns:a16="http://schemas.microsoft.com/office/drawing/2014/main" id="{F33CDCCD-E22D-4F49-9BFB-F0D0ED36231C}"/>
+                  <a16:creationId xmlns="" xmlns:a16="http://schemas.microsoft.com/office/drawing/2014/main" id="{F33CDCCD-E22D-4F49-9BFB-F0D0ED36231C}"/>
                 </a:ext>
               </a:extLst>
             </p:cNvPr>
@@ -11143,7 +11401,7 @@
             <a:graphicData uri="http://schemas.openxmlformats.org/presentationml/2006/ole">
               <mc:AlternateContent xmlns:mc="http://schemas.openxmlformats.org/markup-compatibility/2006">
                 <mc:Choice xmlns:v="urn:schemas-microsoft-com:vml" Requires="v">
-                  <p:oleObj spid="_x0000_s2152" name="Rovnica" r:id="rId5" imgW="596880" imgH="304560" progId="Equation.3">
+                  <p:oleObj spid="_x0000_s2240" name="Rovnica" r:id="rId5" imgW="596880" imgH="304560" progId="Equation.3">
                     <p:embed/>
                   </p:oleObj>
                 </mc:Choice>
@@ -11155,7 +11413,7 @@
                         <p:cNvPr id="5" name="Objekt 4">
                           <a:extLst>
                             <a:ext uri="{FF2B5EF4-FFF2-40B4-BE49-F238E27FC236}">
-                              <a16:creationId xmlns:a16="http://schemas.microsoft.com/office/drawing/2014/main" id="{CD3187EA-560B-42EE-A987-31BD6AA6D4A2}"/>
+                              <a16:creationId xmlns="" xmlns:a16="http://schemas.microsoft.com/office/drawing/2014/main" id="{CD3187EA-560B-42EE-A987-31BD6AA6D4A2}"/>
                             </a:ext>
                           </a:extLst>
                         </p:cNvPr>
@@ -11212,7 +11470,7 @@
             <p:cNvPr id="8" name="Rovná spojovacia šípka 7">
               <a:extLst>
                 <a:ext uri="{FF2B5EF4-FFF2-40B4-BE49-F238E27FC236}">
-                  <a16:creationId xmlns:a16="http://schemas.microsoft.com/office/drawing/2014/main" id="{D9D018C8-EE07-48CC-B03F-070436F902DF}"/>
+                  <a16:creationId xmlns="" xmlns:a16="http://schemas.microsoft.com/office/drawing/2014/main" id="{D9D018C8-EE07-48CC-B03F-070436F902DF}"/>
                 </a:ext>
               </a:extLst>
             </p:cNvPr>
@@ -11254,7 +11512,7 @@
             <p:cNvPr id="9" name="Rovná spojovacia šípka 8">
               <a:extLst>
                 <a:ext uri="{FF2B5EF4-FFF2-40B4-BE49-F238E27FC236}">
-                  <a16:creationId xmlns:a16="http://schemas.microsoft.com/office/drawing/2014/main" id="{E0B5E415-093E-4FD8-AA9C-CE07901785DB}"/>
+                  <a16:creationId xmlns="" xmlns:a16="http://schemas.microsoft.com/office/drawing/2014/main" id="{E0B5E415-093E-4FD8-AA9C-CE07901785DB}"/>
                 </a:ext>
               </a:extLst>
             </p:cNvPr>
@@ -11293,7 +11551,7 @@
             <p:cNvPr id="10" name="Ovál 9">
               <a:extLst>
                 <a:ext uri="{FF2B5EF4-FFF2-40B4-BE49-F238E27FC236}">
-                  <a16:creationId xmlns:a16="http://schemas.microsoft.com/office/drawing/2014/main" id="{AE3A9730-BE7D-434E-B2D2-6D6EB440F677}"/>
+                  <a16:creationId xmlns="" xmlns:a16="http://schemas.microsoft.com/office/drawing/2014/main" id="{AE3A9730-BE7D-434E-B2D2-6D6EB440F677}"/>
                 </a:ext>
               </a:extLst>
             </p:cNvPr>
@@ -11340,7 +11598,7 @@
             <p:cNvPr id="11" name="Rovná spojovacia šípka 10">
               <a:extLst>
                 <a:ext uri="{FF2B5EF4-FFF2-40B4-BE49-F238E27FC236}">
-                  <a16:creationId xmlns:a16="http://schemas.microsoft.com/office/drawing/2014/main" id="{11A02123-56E8-427B-BCEB-B9A09AEFB82A}"/>
+                  <a16:creationId xmlns="" xmlns:a16="http://schemas.microsoft.com/office/drawing/2014/main" id="{11A02123-56E8-427B-BCEB-B9A09AEFB82A}"/>
                 </a:ext>
               </a:extLst>
             </p:cNvPr>
@@ -11381,7 +11639,7 @@
             <p:cNvPr id="12" name="Rovná spojovacia šípka 11">
               <a:extLst>
                 <a:ext uri="{FF2B5EF4-FFF2-40B4-BE49-F238E27FC236}">
-                  <a16:creationId xmlns:a16="http://schemas.microsoft.com/office/drawing/2014/main" id="{0263D40F-E866-4534-A060-15E79C459901}"/>
+                  <a16:creationId xmlns="" xmlns:a16="http://schemas.microsoft.com/office/drawing/2014/main" id="{0263D40F-E866-4534-A060-15E79C459901}"/>
                 </a:ext>
               </a:extLst>
             </p:cNvPr>
@@ -11420,7 +11678,7 @@
             <p:cNvPr id="13" name="Rovná spojnica 12">
               <a:extLst>
                 <a:ext uri="{FF2B5EF4-FFF2-40B4-BE49-F238E27FC236}">
-                  <a16:creationId xmlns:a16="http://schemas.microsoft.com/office/drawing/2014/main" id="{B9A34302-0A81-4FCA-85F1-61D190FF9930}"/>
+                  <a16:creationId xmlns="" xmlns:a16="http://schemas.microsoft.com/office/drawing/2014/main" id="{B9A34302-0A81-4FCA-85F1-61D190FF9930}"/>
                 </a:ext>
               </a:extLst>
             </p:cNvPr>
@@ -11456,7 +11714,7 @@
             <p:cNvPr id="14" name="Rovná spojnica 13">
               <a:extLst>
                 <a:ext uri="{FF2B5EF4-FFF2-40B4-BE49-F238E27FC236}">
-                  <a16:creationId xmlns:a16="http://schemas.microsoft.com/office/drawing/2014/main" id="{7995A962-7A64-4F9D-9365-0873FF02320C}"/>
+                  <a16:creationId xmlns="" xmlns:a16="http://schemas.microsoft.com/office/drawing/2014/main" id="{7995A962-7A64-4F9D-9365-0873FF02320C}"/>
                 </a:ext>
               </a:extLst>
             </p:cNvPr>
@@ -11492,7 +11750,7 @@
             <p:cNvPr id="17" name="Objekt 16">
               <a:extLst>
                 <a:ext uri="{FF2B5EF4-FFF2-40B4-BE49-F238E27FC236}">
-                  <a16:creationId xmlns:a16="http://schemas.microsoft.com/office/drawing/2014/main" id="{E6E799E6-12F0-4748-9CE4-677B3B81895C}"/>
+                  <a16:creationId xmlns="" xmlns:a16="http://schemas.microsoft.com/office/drawing/2014/main" id="{E6E799E6-12F0-4748-9CE4-677B3B81895C}"/>
                 </a:ext>
               </a:extLst>
             </p:cNvPr>
@@ -11515,7 +11773,7 @@
             <a:graphicData uri="http://schemas.openxmlformats.org/presentationml/2006/ole">
               <mc:AlternateContent xmlns:mc="http://schemas.openxmlformats.org/markup-compatibility/2006">
                 <mc:Choice xmlns:v="urn:schemas-microsoft-com:vml" Requires="v">
-                  <p:oleObj spid="_x0000_s2153" name="Rovnica" r:id="rId7" imgW="583920" imgH="304560" progId="Equation.3">
+                  <p:oleObj spid="_x0000_s2241" name="Rovnica" r:id="rId7" imgW="583920" imgH="304560" progId="Equation.3">
                     <p:embed/>
                   </p:oleObj>
                 </mc:Choice>
@@ -11527,7 +11785,7 @@
                         <p:cNvPr id="15" name="Objekt 14">
                           <a:extLst>
                             <a:ext uri="{FF2B5EF4-FFF2-40B4-BE49-F238E27FC236}">
-                              <a16:creationId xmlns:a16="http://schemas.microsoft.com/office/drawing/2014/main" id="{AFAFD10C-B8C0-43E1-A42E-FBBC7264C833}"/>
+                              <a16:creationId xmlns="" xmlns:a16="http://schemas.microsoft.com/office/drawing/2014/main" id="{AFAFD10C-B8C0-43E1-A42E-FBBC7264C833}"/>
                             </a:ext>
                           </a:extLst>
                         </p:cNvPr>
@@ -11584,7 +11842,7 @@
             <p:cNvPr id="18" name="Objekt 17">
               <a:extLst>
                 <a:ext uri="{FF2B5EF4-FFF2-40B4-BE49-F238E27FC236}">
-                  <a16:creationId xmlns:a16="http://schemas.microsoft.com/office/drawing/2014/main" id="{C60549A4-E6E2-4A5C-8FF1-47FB642798A3}"/>
+                  <a16:creationId xmlns="" xmlns:a16="http://schemas.microsoft.com/office/drawing/2014/main" id="{C60549A4-E6E2-4A5C-8FF1-47FB642798A3}"/>
                 </a:ext>
               </a:extLst>
             </p:cNvPr>
@@ -11607,7 +11865,7 @@
             <a:graphicData uri="http://schemas.openxmlformats.org/presentationml/2006/ole">
               <mc:AlternateContent xmlns:mc="http://schemas.openxmlformats.org/markup-compatibility/2006">
                 <mc:Choice xmlns:v="urn:schemas-microsoft-com:vml" Requires="v">
-                  <p:oleObj spid="_x0000_s2154" name="Rovnica" r:id="rId9" imgW="583920" imgH="317160" progId="Equation.3">
+                  <p:oleObj spid="_x0000_s2242" name="Rovnica" r:id="rId9" imgW="583920" imgH="317160" progId="Equation.3">
                     <p:embed/>
                   </p:oleObj>
                 </mc:Choice>
@@ -11619,7 +11877,7 @@
                         <p:cNvPr id="16" name="Objekt 15">
                           <a:extLst>
                             <a:ext uri="{FF2B5EF4-FFF2-40B4-BE49-F238E27FC236}">
-                              <a16:creationId xmlns:a16="http://schemas.microsoft.com/office/drawing/2014/main" id="{D2CEF4DE-C1E3-4BA0-8379-A121AB434C3B}"/>
+                              <a16:creationId xmlns="" xmlns:a16="http://schemas.microsoft.com/office/drawing/2014/main" id="{D2CEF4DE-C1E3-4BA0-8379-A121AB434C3B}"/>
                             </a:ext>
                           </a:extLst>
                         </p:cNvPr>
@@ -11676,7 +11934,7 @@
             <p:cNvPr id="19" name="Objekt 18">
               <a:extLst>
                 <a:ext uri="{FF2B5EF4-FFF2-40B4-BE49-F238E27FC236}">
-                  <a16:creationId xmlns:a16="http://schemas.microsoft.com/office/drawing/2014/main" id="{8310F674-9609-4BEB-B8A4-9F7EEC152973}"/>
+                  <a16:creationId xmlns="" xmlns:a16="http://schemas.microsoft.com/office/drawing/2014/main" id="{8310F674-9609-4BEB-B8A4-9F7EEC152973}"/>
                 </a:ext>
               </a:extLst>
             </p:cNvPr>
@@ -11699,7 +11957,7 @@
             <a:graphicData uri="http://schemas.openxmlformats.org/presentationml/2006/ole">
               <mc:AlternateContent xmlns:mc="http://schemas.openxmlformats.org/markup-compatibility/2006">
                 <mc:Choice xmlns:v="urn:schemas-microsoft-com:vml" Requires="v">
-                  <p:oleObj spid="_x0000_s2155" name="Rovnica" r:id="rId11" imgW="583920" imgH="304560" progId="Equation.3">
+                  <p:oleObj spid="_x0000_s2243" name="Rovnica" r:id="rId11" imgW="583920" imgH="304560" progId="Equation.3">
                     <p:embed/>
                   </p:oleObj>
                 </mc:Choice>
@@ -11711,7 +11969,7 @@
                         <p:cNvPr id="17" name="Objekt 16">
                           <a:extLst>
                             <a:ext uri="{FF2B5EF4-FFF2-40B4-BE49-F238E27FC236}">
-                              <a16:creationId xmlns:a16="http://schemas.microsoft.com/office/drawing/2014/main" id="{1198D4AF-DA2E-4A42-831D-E2116D752FF9}"/>
+                              <a16:creationId xmlns="" xmlns:a16="http://schemas.microsoft.com/office/drawing/2014/main" id="{1198D4AF-DA2E-4A42-831D-E2116D752FF9}"/>
                             </a:ext>
                           </a:extLst>
                         </p:cNvPr>
@@ -11768,7 +12026,7 @@
             <p:cNvPr id="20" name="Ovál 19">
               <a:extLst>
                 <a:ext uri="{FF2B5EF4-FFF2-40B4-BE49-F238E27FC236}">
-                  <a16:creationId xmlns:a16="http://schemas.microsoft.com/office/drawing/2014/main" id="{FEB8E4E4-17DC-42ED-AB11-7E59A89AE92F}"/>
+                  <a16:creationId xmlns="" xmlns:a16="http://schemas.microsoft.com/office/drawing/2014/main" id="{FEB8E4E4-17DC-42ED-AB11-7E59A89AE92F}"/>
                 </a:ext>
               </a:extLst>
             </p:cNvPr>
@@ -11815,7 +12073,7 @@
             <p:cNvPr id="21" name="Rovná spojovacia šípka 20">
               <a:extLst>
                 <a:ext uri="{FF2B5EF4-FFF2-40B4-BE49-F238E27FC236}">
-                  <a16:creationId xmlns:a16="http://schemas.microsoft.com/office/drawing/2014/main" id="{63C389A1-CB97-4502-89F2-A82D8EB21124}"/>
+                  <a16:creationId xmlns="" xmlns:a16="http://schemas.microsoft.com/office/drawing/2014/main" id="{63C389A1-CB97-4502-89F2-A82D8EB21124}"/>
                 </a:ext>
               </a:extLst>
             </p:cNvPr>
@@ -11854,7 +12112,7 @@
             <p:cNvPr id="22" name="Rovná spojovacia šípka 21">
               <a:extLst>
                 <a:ext uri="{FF2B5EF4-FFF2-40B4-BE49-F238E27FC236}">
-                  <a16:creationId xmlns:a16="http://schemas.microsoft.com/office/drawing/2014/main" id="{36538112-65B4-4674-86FB-14AB602F00DD}"/>
+                  <a16:creationId xmlns="" xmlns:a16="http://schemas.microsoft.com/office/drawing/2014/main" id="{36538112-65B4-4674-86FB-14AB602F00DD}"/>
                 </a:ext>
               </a:extLst>
             </p:cNvPr>
@@ -11893,7 +12151,7 @@
             <p:cNvPr id="23" name="Rovná spojovacia šípka 22">
               <a:extLst>
                 <a:ext uri="{FF2B5EF4-FFF2-40B4-BE49-F238E27FC236}">
-                  <a16:creationId xmlns:a16="http://schemas.microsoft.com/office/drawing/2014/main" id="{A275CA71-A190-444E-ACA3-315F491EFD1A}"/>
+                  <a16:creationId xmlns="" xmlns:a16="http://schemas.microsoft.com/office/drawing/2014/main" id="{A275CA71-A190-444E-ACA3-315F491EFD1A}"/>
                 </a:ext>
               </a:extLst>
             </p:cNvPr>
@@ -11934,7 +12192,7 @@
             <p:cNvPr id="24" name="Rovná spojnica 23">
               <a:extLst>
                 <a:ext uri="{FF2B5EF4-FFF2-40B4-BE49-F238E27FC236}">
-                  <a16:creationId xmlns:a16="http://schemas.microsoft.com/office/drawing/2014/main" id="{CB53A08A-95E3-4ABA-9544-47F3A8F9FEFB}"/>
+                  <a16:creationId xmlns="" xmlns:a16="http://schemas.microsoft.com/office/drawing/2014/main" id="{CB53A08A-95E3-4ABA-9544-47F3A8F9FEFB}"/>
                 </a:ext>
               </a:extLst>
             </p:cNvPr>
@@ -11970,7 +12228,7 @@
             <p:cNvPr id="25" name="Rovná spojovacia šípka 24">
               <a:extLst>
                 <a:ext uri="{FF2B5EF4-FFF2-40B4-BE49-F238E27FC236}">
-                  <a16:creationId xmlns:a16="http://schemas.microsoft.com/office/drawing/2014/main" id="{E29184BD-E935-42BC-BC6C-FCD50759CFDE}"/>
+                  <a16:creationId xmlns="" xmlns:a16="http://schemas.microsoft.com/office/drawing/2014/main" id="{E29184BD-E935-42BC-BC6C-FCD50759CFDE}"/>
                 </a:ext>
               </a:extLst>
             </p:cNvPr>
@@ -12009,7 +12267,7 @@
             <p:cNvPr id="26" name="Rovná spojnica 25">
               <a:extLst>
                 <a:ext uri="{FF2B5EF4-FFF2-40B4-BE49-F238E27FC236}">
-                  <a16:creationId xmlns:a16="http://schemas.microsoft.com/office/drawing/2014/main" id="{C21112AB-D244-4580-AA8A-51DA2B548F01}"/>
+                  <a16:creationId xmlns="" xmlns:a16="http://schemas.microsoft.com/office/drawing/2014/main" id="{C21112AB-D244-4580-AA8A-51DA2B548F01}"/>
                 </a:ext>
               </a:extLst>
             </p:cNvPr>
@@ -12045,7 +12303,7 @@
             <p:cNvPr id="27" name="Rovná spojovacia šípka 26">
               <a:extLst>
                 <a:ext uri="{FF2B5EF4-FFF2-40B4-BE49-F238E27FC236}">
-                  <a16:creationId xmlns:a16="http://schemas.microsoft.com/office/drawing/2014/main" id="{C3814D06-FE8C-4789-A55A-2850CC9C5316}"/>
+                  <a16:creationId xmlns="" xmlns:a16="http://schemas.microsoft.com/office/drawing/2014/main" id="{C3814D06-FE8C-4789-A55A-2850CC9C5316}"/>
                 </a:ext>
               </a:extLst>
             </p:cNvPr>
@@ -12084,7 +12342,7 @@
             <p:cNvPr id="28" name="BlokTextu 27">
               <a:extLst>
                 <a:ext uri="{FF2B5EF4-FFF2-40B4-BE49-F238E27FC236}">
-                  <a16:creationId xmlns:a16="http://schemas.microsoft.com/office/drawing/2014/main" id="{968A7D96-D14D-48D2-B552-239CF6A88B65}"/>
+                  <a16:creationId xmlns="" xmlns:a16="http://schemas.microsoft.com/office/drawing/2014/main" id="{968A7D96-D14D-48D2-B552-239CF6A88B65}"/>
                 </a:ext>
               </a:extLst>
             </p:cNvPr>
@@ -12119,7 +12377,7 @@
             <p:cNvPr id="29" name="BlokTextu 28">
               <a:extLst>
                 <a:ext uri="{FF2B5EF4-FFF2-40B4-BE49-F238E27FC236}">
-                  <a16:creationId xmlns:a16="http://schemas.microsoft.com/office/drawing/2014/main" id="{FE128852-42EE-4184-B372-3EF2681B65CA}"/>
+                  <a16:creationId xmlns="" xmlns:a16="http://schemas.microsoft.com/office/drawing/2014/main" id="{FE128852-42EE-4184-B372-3EF2681B65CA}"/>
                 </a:ext>
               </a:extLst>
             </p:cNvPr>
@@ -12155,7 +12413,7 @@
           <p:cNvPr id="32" name="Skupina 31">
             <a:extLst>
               <a:ext uri="{FF2B5EF4-FFF2-40B4-BE49-F238E27FC236}">
-                <a16:creationId xmlns:a16="http://schemas.microsoft.com/office/drawing/2014/main" id="{1096B67C-2390-40D0-89EF-CD1A497059FB}"/>
+                <a16:creationId xmlns="" xmlns:a16="http://schemas.microsoft.com/office/drawing/2014/main" id="{1096B67C-2390-40D0-89EF-CD1A497059FB}"/>
               </a:ext>
             </a:extLst>
           </p:cNvPr>
@@ -12175,7 +12433,7 @@
             <p:cNvPr id="33" name="Objekt 32">
               <a:extLst>
                 <a:ext uri="{FF2B5EF4-FFF2-40B4-BE49-F238E27FC236}">
-                  <a16:creationId xmlns:a16="http://schemas.microsoft.com/office/drawing/2014/main" id="{250B2446-4956-4BA9-AE9E-A22862895BF4}"/>
+                  <a16:creationId xmlns="" xmlns:a16="http://schemas.microsoft.com/office/drawing/2014/main" id="{250B2446-4956-4BA9-AE9E-A22862895BF4}"/>
                 </a:ext>
               </a:extLst>
             </p:cNvPr>
@@ -12198,7 +12456,7 @@
             <a:graphicData uri="http://schemas.openxmlformats.org/presentationml/2006/ole">
               <mc:AlternateContent xmlns:mc="http://schemas.openxmlformats.org/markup-compatibility/2006">
                 <mc:Choice xmlns:v="urn:schemas-microsoft-com:vml" Requires="v">
-                  <p:oleObj spid="_x0000_s2156" name="Rovnica" r:id="rId13" imgW="583920" imgH="317160" progId="Equation.3">
+                  <p:oleObj spid="_x0000_s2244" name="Rovnica" r:id="rId13" imgW="583920" imgH="317160" progId="Equation.3">
                     <p:embed/>
                   </p:oleObj>
                 </mc:Choice>
@@ -12210,7 +12468,7 @@
                         <p:cNvPr id="32" name="Objekt 31">
                           <a:extLst>
                             <a:ext uri="{FF2B5EF4-FFF2-40B4-BE49-F238E27FC236}">
-                              <a16:creationId xmlns:a16="http://schemas.microsoft.com/office/drawing/2014/main" id="{46BB05E3-3433-4430-B9DD-AE85AC6E5552}"/>
+                              <a16:creationId xmlns="" xmlns:a16="http://schemas.microsoft.com/office/drawing/2014/main" id="{46BB05E3-3433-4430-B9DD-AE85AC6E5552}"/>
                             </a:ext>
                           </a:extLst>
                         </p:cNvPr>
@@ -12267,7 +12525,7 @@
             <p:cNvPr id="34" name="Rovná spojovacia šípka 33">
               <a:extLst>
                 <a:ext uri="{FF2B5EF4-FFF2-40B4-BE49-F238E27FC236}">
-                  <a16:creationId xmlns:a16="http://schemas.microsoft.com/office/drawing/2014/main" id="{DA2E46DC-4CD7-4868-820E-07278F04EB85}"/>
+                  <a16:creationId xmlns="" xmlns:a16="http://schemas.microsoft.com/office/drawing/2014/main" id="{DA2E46DC-4CD7-4868-820E-07278F04EB85}"/>
                 </a:ext>
               </a:extLst>
             </p:cNvPr>
@@ -12309,7 +12567,7 @@
             <p:cNvPr id="35" name="Ovál 34">
               <a:extLst>
                 <a:ext uri="{FF2B5EF4-FFF2-40B4-BE49-F238E27FC236}">
-                  <a16:creationId xmlns:a16="http://schemas.microsoft.com/office/drawing/2014/main" id="{6B8DF0FD-BC51-4A00-95D5-AE7D78A2EA83}"/>
+                  <a16:creationId xmlns="" xmlns:a16="http://schemas.microsoft.com/office/drawing/2014/main" id="{6B8DF0FD-BC51-4A00-95D5-AE7D78A2EA83}"/>
                 </a:ext>
               </a:extLst>
             </p:cNvPr>
@@ -12356,7 +12614,7 @@
             <p:cNvPr id="36" name="Rovná spojovacia šípka 35">
               <a:extLst>
                 <a:ext uri="{FF2B5EF4-FFF2-40B4-BE49-F238E27FC236}">
-                  <a16:creationId xmlns:a16="http://schemas.microsoft.com/office/drawing/2014/main" id="{489B0DB0-6F78-412D-B6AF-087F45B8B13E}"/>
+                  <a16:creationId xmlns="" xmlns:a16="http://schemas.microsoft.com/office/drawing/2014/main" id="{489B0DB0-6F78-412D-B6AF-087F45B8B13E}"/>
                 </a:ext>
               </a:extLst>
             </p:cNvPr>
@@ -12397,7 +12655,7 @@
             <p:cNvPr id="38" name="Objekt 37">
               <a:extLst>
                 <a:ext uri="{FF2B5EF4-FFF2-40B4-BE49-F238E27FC236}">
-                  <a16:creationId xmlns:a16="http://schemas.microsoft.com/office/drawing/2014/main" id="{20948155-27D8-4998-A51A-4618C2F75B26}"/>
+                  <a16:creationId xmlns="" xmlns:a16="http://schemas.microsoft.com/office/drawing/2014/main" id="{20948155-27D8-4998-A51A-4618C2F75B26}"/>
                 </a:ext>
               </a:extLst>
             </p:cNvPr>
@@ -12420,7 +12678,7 @@
             <a:graphicData uri="http://schemas.openxmlformats.org/presentationml/2006/ole">
               <mc:AlternateContent xmlns:mc="http://schemas.openxmlformats.org/markup-compatibility/2006">
                 <mc:Choice xmlns:v="urn:schemas-microsoft-com:vml" Requires="v">
-                  <p:oleObj spid="_x0000_s2157" name="Rovnica" r:id="rId14" imgW="711000" imgH="304560" progId="Equation.3">
+                  <p:oleObj spid="_x0000_s2245" name="Rovnica" r:id="rId14" imgW="711000" imgH="304560" progId="Equation.3">
                     <p:embed/>
                   </p:oleObj>
                 </mc:Choice>
@@ -12432,7 +12690,7 @@
                         <p:cNvPr id="37" name="Objekt 36">
                           <a:extLst>
                             <a:ext uri="{FF2B5EF4-FFF2-40B4-BE49-F238E27FC236}">
-                              <a16:creationId xmlns:a16="http://schemas.microsoft.com/office/drawing/2014/main" id="{AA31B627-CC35-449F-BA05-D1F54C3EEB86}"/>
+                              <a16:creationId xmlns="" xmlns:a16="http://schemas.microsoft.com/office/drawing/2014/main" id="{AA31B627-CC35-449F-BA05-D1F54C3EEB86}"/>
                             </a:ext>
                           </a:extLst>
                         </p:cNvPr>
@@ -12489,7 +12747,7 @@
             <p:cNvPr id="39" name="Objekt 38">
               <a:extLst>
                 <a:ext uri="{FF2B5EF4-FFF2-40B4-BE49-F238E27FC236}">
-                  <a16:creationId xmlns:a16="http://schemas.microsoft.com/office/drawing/2014/main" id="{14165F50-CCA8-48DA-93B2-27D87D17DCB0}"/>
+                  <a16:creationId xmlns="" xmlns:a16="http://schemas.microsoft.com/office/drawing/2014/main" id="{14165F50-CCA8-48DA-93B2-27D87D17DCB0}"/>
                 </a:ext>
               </a:extLst>
             </p:cNvPr>
@@ -12512,7 +12770,7 @@
             <a:graphicData uri="http://schemas.openxmlformats.org/presentationml/2006/ole">
               <mc:AlternateContent xmlns:mc="http://schemas.openxmlformats.org/markup-compatibility/2006">
                 <mc:Choice xmlns:v="urn:schemas-microsoft-com:vml" Requires="v">
-                  <p:oleObj spid="_x0000_s2158" name="Rovnica" r:id="rId16" imgW="583920" imgH="317160" progId="Equation.3">
+                  <p:oleObj spid="_x0000_s2246" name="Rovnica" r:id="rId16" imgW="583920" imgH="317160" progId="Equation.3">
                     <p:embed/>
                   </p:oleObj>
                 </mc:Choice>
@@ -12524,7 +12782,7 @@
                         <p:cNvPr id="38" name="Objekt 37">
                           <a:extLst>
                             <a:ext uri="{FF2B5EF4-FFF2-40B4-BE49-F238E27FC236}">
-                              <a16:creationId xmlns:a16="http://schemas.microsoft.com/office/drawing/2014/main" id="{985A319E-920C-4BEC-8E8A-AA769EEB8CBE}"/>
+                              <a16:creationId xmlns="" xmlns:a16="http://schemas.microsoft.com/office/drawing/2014/main" id="{985A319E-920C-4BEC-8E8A-AA769EEB8CBE}"/>
                             </a:ext>
                           </a:extLst>
                         </p:cNvPr>
@@ -12581,7 +12839,7 @@
             <p:cNvPr id="40" name="Objekt 39">
               <a:extLst>
                 <a:ext uri="{FF2B5EF4-FFF2-40B4-BE49-F238E27FC236}">
-                  <a16:creationId xmlns:a16="http://schemas.microsoft.com/office/drawing/2014/main" id="{1021EA87-8DBA-4DE8-963D-BC041193DEA9}"/>
+                  <a16:creationId xmlns="" xmlns:a16="http://schemas.microsoft.com/office/drawing/2014/main" id="{1021EA87-8DBA-4DE8-963D-BC041193DEA9}"/>
                 </a:ext>
               </a:extLst>
             </p:cNvPr>
@@ -12604,7 +12862,7 @@
             <a:graphicData uri="http://schemas.openxmlformats.org/presentationml/2006/ole">
               <mc:AlternateContent xmlns:mc="http://schemas.openxmlformats.org/markup-compatibility/2006">
                 <mc:Choice xmlns:v="urn:schemas-microsoft-com:vml" Requires="v">
-                  <p:oleObj spid="_x0000_s2159" name="Rovnica" r:id="rId17" imgW="583920" imgH="304560" progId="Equation.3">
+                  <p:oleObj spid="_x0000_s2247" name="Rovnica" r:id="rId17" imgW="583920" imgH="304560" progId="Equation.3">
                     <p:embed/>
                   </p:oleObj>
                 </mc:Choice>
@@ -12616,7 +12874,7 @@
                         <p:cNvPr id="39" name="Objekt 38">
                           <a:extLst>
                             <a:ext uri="{FF2B5EF4-FFF2-40B4-BE49-F238E27FC236}">
-                              <a16:creationId xmlns:a16="http://schemas.microsoft.com/office/drawing/2014/main" id="{9FD7A907-CEE6-415D-9150-FA5724929D94}"/>
+                              <a16:creationId xmlns="" xmlns:a16="http://schemas.microsoft.com/office/drawing/2014/main" id="{9FD7A907-CEE6-415D-9150-FA5724929D94}"/>
                             </a:ext>
                           </a:extLst>
                         </p:cNvPr>
@@ -12673,7 +12931,7 @@
             <p:cNvPr id="41" name="Rovná spojovacia šípka 40">
               <a:extLst>
                 <a:ext uri="{FF2B5EF4-FFF2-40B4-BE49-F238E27FC236}">
-                  <a16:creationId xmlns:a16="http://schemas.microsoft.com/office/drawing/2014/main" id="{9ED84358-B2D2-4168-903D-026130AF7958}"/>
+                  <a16:creationId xmlns="" xmlns:a16="http://schemas.microsoft.com/office/drawing/2014/main" id="{9ED84358-B2D2-4168-903D-026130AF7958}"/>
                 </a:ext>
               </a:extLst>
             </p:cNvPr>
@@ -12712,7 +12970,7 @@
             <p:cNvPr id="42" name="Rovná spojovacia šípka 41">
               <a:extLst>
                 <a:ext uri="{FF2B5EF4-FFF2-40B4-BE49-F238E27FC236}">
-                  <a16:creationId xmlns:a16="http://schemas.microsoft.com/office/drawing/2014/main" id="{5BFF1FA3-E231-42DA-9290-D2659D5813CA}"/>
+                  <a16:creationId xmlns="" xmlns:a16="http://schemas.microsoft.com/office/drawing/2014/main" id="{5BFF1FA3-E231-42DA-9290-D2659D5813CA}"/>
                 </a:ext>
               </a:extLst>
             </p:cNvPr>
@@ -12751,7 +13009,7 @@
             <p:cNvPr id="43" name="Rovná spojovacia šípka 42">
               <a:extLst>
                 <a:ext uri="{FF2B5EF4-FFF2-40B4-BE49-F238E27FC236}">
-                  <a16:creationId xmlns:a16="http://schemas.microsoft.com/office/drawing/2014/main" id="{C69A2F5B-9D01-4212-BA7B-4A29B64F324B}"/>
+                  <a16:creationId xmlns="" xmlns:a16="http://schemas.microsoft.com/office/drawing/2014/main" id="{C69A2F5B-9D01-4212-BA7B-4A29B64F324B}"/>
                 </a:ext>
               </a:extLst>
             </p:cNvPr>
@@ -12792,7 +13050,7 @@
             <p:cNvPr id="44" name="Rovná spojnica 43">
               <a:extLst>
                 <a:ext uri="{FF2B5EF4-FFF2-40B4-BE49-F238E27FC236}">
-                  <a16:creationId xmlns:a16="http://schemas.microsoft.com/office/drawing/2014/main" id="{65585A04-B4F3-42AF-9E50-225079B62CF6}"/>
+                  <a16:creationId xmlns="" xmlns:a16="http://schemas.microsoft.com/office/drawing/2014/main" id="{65585A04-B4F3-42AF-9E50-225079B62CF6}"/>
                 </a:ext>
               </a:extLst>
             </p:cNvPr>
@@ -12828,7 +13086,7 @@
             <p:cNvPr id="45" name="Rovná spojovacia šípka 44">
               <a:extLst>
                 <a:ext uri="{FF2B5EF4-FFF2-40B4-BE49-F238E27FC236}">
-                  <a16:creationId xmlns:a16="http://schemas.microsoft.com/office/drawing/2014/main" id="{082AF6BB-4AD4-4503-9FDE-687916ABD55A}"/>
+                  <a16:creationId xmlns="" xmlns:a16="http://schemas.microsoft.com/office/drawing/2014/main" id="{082AF6BB-4AD4-4503-9FDE-687916ABD55A}"/>
                 </a:ext>
               </a:extLst>
             </p:cNvPr>
@@ -12867,7 +13125,7 @@
             <p:cNvPr id="46" name="Rovná spojnica 45">
               <a:extLst>
                 <a:ext uri="{FF2B5EF4-FFF2-40B4-BE49-F238E27FC236}">
-                  <a16:creationId xmlns:a16="http://schemas.microsoft.com/office/drawing/2014/main" id="{EDE01E1D-DAB6-4EFA-851D-FAE48448546B}"/>
+                  <a16:creationId xmlns="" xmlns:a16="http://schemas.microsoft.com/office/drawing/2014/main" id="{EDE01E1D-DAB6-4EFA-851D-FAE48448546B}"/>
                 </a:ext>
               </a:extLst>
             </p:cNvPr>
@@ -12903,7 +13161,7 @@
             <p:cNvPr id="47" name="Rovná spojovacia šípka 46">
               <a:extLst>
                 <a:ext uri="{FF2B5EF4-FFF2-40B4-BE49-F238E27FC236}">
-                  <a16:creationId xmlns:a16="http://schemas.microsoft.com/office/drawing/2014/main" id="{83CD6AC1-0CAF-4101-9E61-00DE31D45CAC}"/>
+                  <a16:creationId xmlns="" xmlns:a16="http://schemas.microsoft.com/office/drawing/2014/main" id="{83CD6AC1-0CAF-4101-9E61-00DE31D45CAC}"/>
                 </a:ext>
               </a:extLst>
             </p:cNvPr>
@@ -12942,7 +13200,7 @@
             <p:cNvPr id="48" name="BlokTextu 47">
               <a:extLst>
                 <a:ext uri="{FF2B5EF4-FFF2-40B4-BE49-F238E27FC236}">
-                  <a16:creationId xmlns:a16="http://schemas.microsoft.com/office/drawing/2014/main" id="{303AD875-7CE8-47F1-A9DF-0F80C8580CD0}"/>
+                  <a16:creationId xmlns="" xmlns:a16="http://schemas.microsoft.com/office/drawing/2014/main" id="{303AD875-7CE8-47F1-A9DF-0F80C8580CD0}"/>
                 </a:ext>
               </a:extLst>
             </p:cNvPr>
@@ -12973,14 +13231,14 @@
           </p:txBody>
         </p:sp>
       </p:grpSp>
-      <mc:AlternateContent xmlns:mc="http://schemas.openxmlformats.org/markup-compatibility/2006">
-        <mc:Choice xmlns:a14="http://schemas.microsoft.com/office/drawing/2010/main" Requires="a14">
+      <mc:AlternateContent xmlns:mc="http://schemas.openxmlformats.org/markup-compatibility/2006" xmlns:a14="http://schemas.microsoft.com/office/drawing/2010/main">
+        <mc:Choice Requires="a14">
           <p:sp>
             <p:nvSpPr>
               <p:cNvPr id="49" name="Objekt 48">
                 <a:extLst>
                   <a:ext uri="{FF2B5EF4-FFF2-40B4-BE49-F238E27FC236}">
-                    <a16:creationId xmlns:a16="http://schemas.microsoft.com/office/drawing/2014/main" id="{4D5FAC38-D746-4B31-B177-F590800CA899}"/>
+                    <a16:creationId xmlns="" xmlns:a16="http://schemas.microsoft.com/office/drawing/2014/main" id="{4D5FAC38-D746-4B31-B177-F590800CA899}"/>
                   </a:ext>
                 </a:extLst>
               </p:cNvPr>
@@ -13216,7 +13474,7 @@
             </p:txBody>
           </p:sp>
         </mc:Choice>
-        <mc:Fallback>
+        <mc:Fallback xmlns="">
           <p:sp>
             <p:nvSpPr>
               <p:cNvPr id="49" name="Objekt 48">
@@ -13264,14 +13522,14 @@
           </p:sp>
         </mc:Fallback>
       </mc:AlternateContent>
-      <mc:AlternateContent xmlns:mc="http://schemas.openxmlformats.org/markup-compatibility/2006">
-        <mc:Choice xmlns:a14="http://schemas.microsoft.com/office/drawing/2010/main" Requires="a14">
+      <mc:AlternateContent xmlns:mc="http://schemas.openxmlformats.org/markup-compatibility/2006" xmlns:a14="http://schemas.microsoft.com/office/drawing/2010/main">
+        <mc:Choice Requires="a14">
           <p:sp>
             <p:nvSpPr>
               <p:cNvPr id="50" name="Objekt 49">
                 <a:extLst>
                   <a:ext uri="{FF2B5EF4-FFF2-40B4-BE49-F238E27FC236}">
-                    <a16:creationId xmlns:a16="http://schemas.microsoft.com/office/drawing/2014/main" id="{82E746DC-460C-4D48-8B4D-E49B5B0511CF}"/>
+                    <a16:creationId xmlns="" xmlns:a16="http://schemas.microsoft.com/office/drawing/2014/main" id="{82E746DC-460C-4D48-8B4D-E49B5B0511CF}"/>
                   </a:ext>
                 </a:extLst>
               </p:cNvPr>
@@ -13686,7 +13944,7 @@
             </p:txBody>
           </p:sp>
         </mc:Choice>
-        <mc:Fallback>
+        <mc:Fallback xmlns="">
           <p:sp>
             <p:nvSpPr>
               <p:cNvPr id="50" name="Objekt 49">
@@ -13739,7 +13997,7 @@
           <p:cNvPr id="51" name="Skupina 50">
             <a:extLst>
               <a:ext uri="{FF2B5EF4-FFF2-40B4-BE49-F238E27FC236}">
-                <a16:creationId xmlns:a16="http://schemas.microsoft.com/office/drawing/2014/main" id="{CECB5B7F-9058-432C-8180-F19F06026468}"/>
+                <a16:creationId xmlns="" xmlns:a16="http://schemas.microsoft.com/office/drawing/2014/main" id="{CECB5B7F-9058-432C-8180-F19F06026468}"/>
               </a:ext>
             </a:extLst>
           </p:cNvPr>
@@ -13759,7 +14017,7 @@
             <p:cNvPr id="53" name="Objekt 52">
               <a:extLst>
                 <a:ext uri="{FF2B5EF4-FFF2-40B4-BE49-F238E27FC236}">
-                  <a16:creationId xmlns:a16="http://schemas.microsoft.com/office/drawing/2014/main" id="{F21A303E-115F-4CBB-AA5C-428D57B9A610}"/>
+                  <a16:creationId xmlns="" xmlns:a16="http://schemas.microsoft.com/office/drawing/2014/main" id="{F21A303E-115F-4CBB-AA5C-428D57B9A610}"/>
                 </a:ext>
               </a:extLst>
             </p:cNvPr>
@@ -13782,7 +14040,7 @@
             <a:graphicData uri="http://schemas.openxmlformats.org/presentationml/2006/ole">
               <mc:AlternateContent xmlns:mc="http://schemas.openxmlformats.org/markup-compatibility/2006">
                 <mc:Choice xmlns:v="urn:schemas-microsoft-com:vml" Requires="v">
-                  <p:oleObj spid="_x0000_s2160" name="Rovnica" r:id="rId20" imgW="583920" imgH="317160" progId="Equation.3">
+                  <p:oleObj spid="_x0000_s2248" name="Rovnica" r:id="rId20" imgW="583920" imgH="317160" progId="Equation.3">
                     <p:embed/>
                   </p:oleObj>
                 </mc:Choice>
@@ -13794,7 +14052,7 @@
                         <p:cNvPr id="52" name="Objekt 51">
                           <a:extLst>
                             <a:ext uri="{FF2B5EF4-FFF2-40B4-BE49-F238E27FC236}">
-                              <a16:creationId xmlns:a16="http://schemas.microsoft.com/office/drawing/2014/main" id="{F3D4F0A7-7409-4AB2-9EFD-9761925E4A47}"/>
+                              <a16:creationId xmlns="" xmlns:a16="http://schemas.microsoft.com/office/drawing/2014/main" id="{F3D4F0A7-7409-4AB2-9EFD-9761925E4A47}"/>
                             </a:ext>
                           </a:extLst>
                         </p:cNvPr>
@@ -13851,7 +14109,7 @@
             <p:cNvPr id="54" name="Ovál 53">
               <a:extLst>
                 <a:ext uri="{FF2B5EF4-FFF2-40B4-BE49-F238E27FC236}">
-                  <a16:creationId xmlns:a16="http://schemas.microsoft.com/office/drawing/2014/main" id="{98DB740E-AC07-49D2-8237-C42B63C4DE3A}"/>
+                  <a16:creationId xmlns="" xmlns:a16="http://schemas.microsoft.com/office/drawing/2014/main" id="{98DB740E-AC07-49D2-8237-C42B63C4DE3A}"/>
                 </a:ext>
               </a:extLst>
             </p:cNvPr>
@@ -13898,7 +14156,7 @@
             <p:cNvPr id="55" name="Rovná spojovacia šípka 54">
               <a:extLst>
                 <a:ext uri="{FF2B5EF4-FFF2-40B4-BE49-F238E27FC236}">
-                  <a16:creationId xmlns:a16="http://schemas.microsoft.com/office/drawing/2014/main" id="{2022C7DD-69EA-43DB-97E2-EFEB6CEC66C2}"/>
+                  <a16:creationId xmlns="" xmlns:a16="http://schemas.microsoft.com/office/drawing/2014/main" id="{2022C7DD-69EA-43DB-97E2-EFEB6CEC66C2}"/>
                 </a:ext>
               </a:extLst>
             </p:cNvPr>
@@ -13940,7 +14198,7 @@
             <p:cNvPr id="56" name="Objekt 55">
               <a:extLst>
                 <a:ext uri="{FF2B5EF4-FFF2-40B4-BE49-F238E27FC236}">
-                  <a16:creationId xmlns:a16="http://schemas.microsoft.com/office/drawing/2014/main" id="{9D3D9DA6-0225-4151-A9C5-53980D5F3D49}"/>
+                  <a16:creationId xmlns="" xmlns:a16="http://schemas.microsoft.com/office/drawing/2014/main" id="{9D3D9DA6-0225-4151-A9C5-53980D5F3D49}"/>
                 </a:ext>
               </a:extLst>
             </p:cNvPr>
@@ -13963,7 +14221,7 @@
             <a:graphicData uri="http://schemas.openxmlformats.org/presentationml/2006/ole">
               <mc:AlternateContent xmlns:mc="http://schemas.openxmlformats.org/markup-compatibility/2006">
                 <mc:Choice xmlns:v="urn:schemas-microsoft-com:vml" Requires="v">
-                  <p:oleObj spid="_x0000_s2161" name="Rovnica" r:id="rId21" imgW="927000" imgH="317160" progId="Equation.3">
+                  <p:oleObj spid="_x0000_s2249" name="Rovnica" r:id="rId21" imgW="927000" imgH="317160" progId="Equation.3">
                     <p:embed/>
                   </p:oleObj>
                 </mc:Choice>
@@ -13975,7 +14233,7 @@
                         <p:cNvPr id="55" name="Objekt 54">
                           <a:extLst>
                             <a:ext uri="{FF2B5EF4-FFF2-40B4-BE49-F238E27FC236}">
-                              <a16:creationId xmlns:a16="http://schemas.microsoft.com/office/drawing/2014/main" id="{4E30611F-E4A1-4877-BAE0-B2F1CA2EE1F0}"/>
+                              <a16:creationId xmlns="" xmlns:a16="http://schemas.microsoft.com/office/drawing/2014/main" id="{4E30611F-E4A1-4877-BAE0-B2F1CA2EE1F0}"/>
                             </a:ext>
                           </a:extLst>
                         </p:cNvPr>
@@ -14032,7 +14290,7 @@
             <p:cNvPr id="57" name="Rovná spojovacia šípka 56">
               <a:extLst>
                 <a:ext uri="{FF2B5EF4-FFF2-40B4-BE49-F238E27FC236}">
-                  <a16:creationId xmlns:a16="http://schemas.microsoft.com/office/drawing/2014/main" id="{81A94FF2-4037-427F-A7E0-D12DDF462850}"/>
+                  <a16:creationId xmlns="" xmlns:a16="http://schemas.microsoft.com/office/drawing/2014/main" id="{81A94FF2-4037-427F-A7E0-D12DDF462850}"/>
                 </a:ext>
               </a:extLst>
             </p:cNvPr>
@@ -14071,7 +14329,7 @@
             <p:cNvPr id="58" name="Rovná spojovacia šípka 57">
               <a:extLst>
                 <a:ext uri="{FF2B5EF4-FFF2-40B4-BE49-F238E27FC236}">
-                  <a16:creationId xmlns:a16="http://schemas.microsoft.com/office/drawing/2014/main" id="{49D1C5DF-83CB-43AD-BE44-434D455C9604}"/>
+                  <a16:creationId xmlns="" xmlns:a16="http://schemas.microsoft.com/office/drawing/2014/main" id="{49D1C5DF-83CB-43AD-BE44-434D455C9604}"/>
                 </a:ext>
               </a:extLst>
             </p:cNvPr>
@@ -14112,7 +14370,7 @@
             <p:cNvPr id="59" name="Rovná spojnica 58">
               <a:extLst>
                 <a:ext uri="{FF2B5EF4-FFF2-40B4-BE49-F238E27FC236}">
-                  <a16:creationId xmlns:a16="http://schemas.microsoft.com/office/drawing/2014/main" id="{271E3873-5792-4003-AF0B-2EA15EC37968}"/>
+                  <a16:creationId xmlns="" xmlns:a16="http://schemas.microsoft.com/office/drawing/2014/main" id="{271E3873-5792-4003-AF0B-2EA15EC37968}"/>
                 </a:ext>
               </a:extLst>
             </p:cNvPr>
@@ -14148,7 +14406,7 @@
             <p:cNvPr id="60" name="Rovná spojovacia šípka 59">
               <a:extLst>
                 <a:ext uri="{FF2B5EF4-FFF2-40B4-BE49-F238E27FC236}">
-                  <a16:creationId xmlns:a16="http://schemas.microsoft.com/office/drawing/2014/main" id="{B019BA21-17CD-4ECC-B316-3B6BD7277BEB}"/>
+                  <a16:creationId xmlns="" xmlns:a16="http://schemas.microsoft.com/office/drawing/2014/main" id="{B019BA21-17CD-4ECC-B316-3B6BD7277BEB}"/>
                 </a:ext>
               </a:extLst>
             </p:cNvPr>
@@ -14187,7 +14445,7 @@
             <p:cNvPr id="61" name="Rovná spojnica 60">
               <a:extLst>
                 <a:ext uri="{FF2B5EF4-FFF2-40B4-BE49-F238E27FC236}">
-                  <a16:creationId xmlns:a16="http://schemas.microsoft.com/office/drawing/2014/main" id="{29C42FD4-D7A6-449B-8F80-5A31FD27F02A}"/>
+                  <a16:creationId xmlns="" xmlns:a16="http://schemas.microsoft.com/office/drawing/2014/main" id="{29C42FD4-D7A6-449B-8F80-5A31FD27F02A}"/>
                 </a:ext>
               </a:extLst>
             </p:cNvPr>
@@ -14223,7 +14481,7 @@
             <p:cNvPr id="62" name="Rovná spojovacia šípka 61">
               <a:extLst>
                 <a:ext uri="{FF2B5EF4-FFF2-40B4-BE49-F238E27FC236}">
-                  <a16:creationId xmlns:a16="http://schemas.microsoft.com/office/drawing/2014/main" id="{2CB5737D-FC10-4B45-96E3-8625B11A2254}"/>
+                  <a16:creationId xmlns="" xmlns:a16="http://schemas.microsoft.com/office/drawing/2014/main" id="{2CB5737D-FC10-4B45-96E3-8625B11A2254}"/>
                 </a:ext>
               </a:extLst>
             </p:cNvPr>
@@ -14262,7 +14520,7 @@
             <p:cNvPr id="63" name="BlokTextu 62">
               <a:extLst>
                 <a:ext uri="{FF2B5EF4-FFF2-40B4-BE49-F238E27FC236}">
-                  <a16:creationId xmlns:a16="http://schemas.microsoft.com/office/drawing/2014/main" id="{0B6FC303-5CB5-4760-9F21-3D0C21761B3A}"/>
+                  <a16:creationId xmlns="" xmlns:a16="http://schemas.microsoft.com/office/drawing/2014/main" id="{0B6FC303-5CB5-4760-9F21-3D0C21761B3A}"/>
                 </a:ext>
               </a:extLst>
             </p:cNvPr>
@@ -14293,14 +14551,14 @@
           </p:txBody>
         </p:sp>
       </p:grpSp>
-      <mc:AlternateContent xmlns:mc="http://schemas.openxmlformats.org/markup-compatibility/2006">
-        <mc:Choice xmlns:a14="http://schemas.microsoft.com/office/drawing/2010/main" Requires="a14">
+      <mc:AlternateContent xmlns:mc="http://schemas.openxmlformats.org/markup-compatibility/2006" xmlns:a14="http://schemas.microsoft.com/office/drawing/2010/main">
+        <mc:Choice Requires="a14">
           <p:sp>
             <p:nvSpPr>
               <p:cNvPr id="64" name="Objekt 63">
                 <a:extLst>
                   <a:ext uri="{FF2B5EF4-FFF2-40B4-BE49-F238E27FC236}">
-                    <a16:creationId xmlns:a16="http://schemas.microsoft.com/office/drawing/2014/main" id="{71E69A95-2DE8-4AD5-964F-C7ACACA092EA}"/>
+                    <a16:creationId xmlns="" xmlns:a16="http://schemas.microsoft.com/office/drawing/2014/main" id="{71E69A95-2DE8-4AD5-964F-C7ACACA092EA}"/>
                   </a:ext>
                 </a:extLst>
               </p:cNvPr>
@@ -15287,16 +15545,7 @@
                                       </a:solidFill>
                                       <a:latin typeface="Cambria Math" panose="02040503050406030204" pitchFamily="18" charset="0"/>
                                     </a:rPr>
-                                    <m:t>(</m:t>
-                                  </m:r>
-                                  <m:r>
-                                    <a:rPr lang="sk-SK" i="1">
-                                      <a:solidFill>
-                                        <a:srgbClr val="000000"/>
-                                      </a:solidFill>
-                                      <a:latin typeface="Cambria Math" panose="02040503050406030204" pitchFamily="18" charset="0"/>
-                                    </a:rPr>
-                                    <m:t>1+</m:t>
+                                    <m:t>(1+</m:t>
                                   </m:r>
                                   <m:sSub>
                                     <m:sSubPr>
@@ -16014,7 +16263,7 @@
             </p:txBody>
           </p:sp>
         </mc:Choice>
-        <mc:Fallback>
+        <mc:Fallback xmlns="">
           <p:sp>
             <p:nvSpPr>
               <p:cNvPr id="64" name="Objekt 63">
@@ -16067,7 +16316,7 @@
           <p:cNvPr id="72" name="Zástupný objekt pre obsah 2">
             <a:extLst>
               <a:ext uri="{FF2B5EF4-FFF2-40B4-BE49-F238E27FC236}">
-                <a16:creationId xmlns:a16="http://schemas.microsoft.com/office/drawing/2014/main" id="{B8554EE4-EE3C-42E8-8739-C72A83F7B74A}"/>
+                <a16:creationId xmlns="" xmlns:a16="http://schemas.microsoft.com/office/drawing/2014/main" id="{B8554EE4-EE3C-42E8-8739-C72A83F7B74A}"/>
               </a:ext>
             </a:extLst>
           </p:cNvPr>
@@ -16251,7 +16500,7 @@
           <p:cNvPr id="2" name="Nadpis 1">
             <a:extLst>
               <a:ext uri="{FF2B5EF4-FFF2-40B4-BE49-F238E27FC236}">
-                <a16:creationId xmlns:a16="http://schemas.microsoft.com/office/drawing/2014/main" id="{3232E871-E5E1-4EA7-B974-28B15932ADEA}"/>
+                <a16:creationId xmlns="" xmlns:a16="http://schemas.microsoft.com/office/drawing/2014/main" id="{3232E871-E5E1-4EA7-B974-28B15932ADEA}"/>
               </a:ext>
             </a:extLst>
           </p:cNvPr>
@@ -16279,7 +16528,7 @@
           <p:cNvPr id="3" name="Zástupný objekt pre obsah 2">
             <a:extLst>
               <a:ext uri="{FF2B5EF4-FFF2-40B4-BE49-F238E27FC236}">
-                <a16:creationId xmlns:a16="http://schemas.microsoft.com/office/drawing/2014/main" id="{F6D0F4A2-7F67-43D0-B475-A4654B96E2CF}"/>
+                <a16:creationId xmlns="" xmlns:a16="http://schemas.microsoft.com/office/drawing/2014/main" id="{F6D0F4A2-7F67-43D0-B475-A4654B96E2CF}"/>
               </a:ext>
             </a:extLst>
           </p:cNvPr>
@@ -16405,14 +16654,14 @@
           </a:p>
         </p:txBody>
       </p:sp>
-      <mc:AlternateContent xmlns:mc="http://schemas.openxmlformats.org/markup-compatibility/2006">
-        <mc:Choice xmlns:a14="http://schemas.microsoft.com/office/drawing/2010/main" Requires="a14">
+      <mc:AlternateContent xmlns:mc="http://schemas.openxmlformats.org/markup-compatibility/2006" xmlns:a14="http://schemas.microsoft.com/office/drawing/2010/main">
+        <mc:Choice Requires="a14">
           <p:sp>
             <p:nvSpPr>
               <p:cNvPr id="4" name="Objekt 3">
                 <a:extLst>
                   <a:ext uri="{FF2B5EF4-FFF2-40B4-BE49-F238E27FC236}">
-                    <a16:creationId xmlns:a16="http://schemas.microsoft.com/office/drawing/2014/main" id="{8902A743-C9E5-4569-8750-8238CE1EEA40}"/>
+                    <a16:creationId xmlns="" xmlns:a16="http://schemas.microsoft.com/office/drawing/2014/main" id="{8902A743-C9E5-4569-8750-8238CE1EEA40}"/>
                   </a:ext>
                 </a:extLst>
               </p:cNvPr>
@@ -17078,7 +17327,7 @@
             </p:txBody>
           </p:sp>
         </mc:Choice>
-        <mc:Fallback>
+        <mc:Fallback xmlns="">
           <p:sp>
             <p:nvSpPr>
               <p:cNvPr id="4" name="Objekt 3">
